--- a/karaoke-roulette.pptx
+++ b/karaoke-roulette.pptx
@@ -4,8 +4,20 @@
   <p:sldMasterIdLst>
     <p:sldMasterId id="2147483732" r:id="rId1"/>
   </p:sldMasterIdLst>
+  <p:notesMasterIdLst>
+    <p:notesMasterId r:id="rId12"/>
+  </p:notesMasterIdLst>
   <p:sldIdLst>
     <p:sldId id="256" r:id="rId2"/>
+    <p:sldId id="257" r:id="rId3"/>
+    <p:sldId id="267" r:id="rId4"/>
+    <p:sldId id="268" r:id="rId5"/>
+    <p:sldId id="260" r:id="rId6"/>
+    <p:sldId id="263" r:id="rId7"/>
+    <p:sldId id="261" r:id="rId8"/>
+    <p:sldId id="264" r:id="rId9"/>
+    <p:sldId id="265" r:id="rId10"/>
+    <p:sldId id="269" r:id="rId11"/>
   </p:sldIdLst>
   <p:sldSz cx="9144000" cy="6858000" type="screen4x3"/>
   <p:notesSz cx="6858000" cy="9144000"/>
@@ -107,6 +119,1151 @@
 </p:presentation>
 </file>
 
+<file path=ppt/notesMasters/notesMaster1.xml><?xml version="1.0" encoding="utf-8"?>
+<p:notesMaster xmlns:a="http://schemas.openxmlformats.org/drawingml/2006/main" xmlns:r="http://schemas.openxmlformats.org/officeDocument/2006/relationships" xmlns:p="http://schemas.openxmlformats.org/presentationml/2006/main">
+  <p:cSld>
+    <p:bg>
+      <p:bgRef idx="1001">
+        <a:schemeClr val="bg1"/>
+      </p:bgRef>
+    </p:bg>
+    <p:spTree>
+      <p:nvGrpSpPr>
+        <p:cNvPr id="1" name=""/>
+        <p:cNvGrpSpPr/>
+        <p:nvPr/>
+      </p:nvGrpSpPr>
+      <p:grpSpPr>
+        <a:xfrm>
+          <a:off x="0" y="0"/>
+          <a:ext cx="0" cy="0"/>
+          <a:chOff x="0" y="0"/>
+          <a:chExt cx="0" cy="0"/>
+        </a:xfrm>
+      </p:grpSpPr>
+      <p:sp>
+        <p:nvSpPr>
+          <p:cNvPr id="2" name="Header Placeholder 1"/>
+          <p:cNvSpPr>
+            <a:spLocks noGrp="1"/>
+          </p:cNvSpPr>
+          <p:nvPr>
+            <p:ph type="hdr" sz="quarter"/>
+          </p:nvPr>
+        </p:nvSpPr>
+        <p:spPr>
+          <a:xfrm>
+            <a:off x="0" y="0"/>
+            <a:ext cx="2971800" cy="457200"/>
+          </a:xfrm>
+          <a:prstGeom prst="rect">
+            <a:avLst/>
+          </a:prstGeom>
+        </p:spPr>
+        <p:txBody>
+          <a:bodyPr vert="horz" lIns="91440" tIns="45720" rIns="91440" bIns="45720" rtlCol="0"/>
+          <a:lstStyle>
+            <a:lvl1pPr algn="l">
+              <a:defRPr sz="1200"/>
+            </a:lvl1pPr>
+          </a:lstStyle>
+          <a:p>
+            <a:endParaRPr lang="en-US"/>
+          </a:p>
+        </p:txBody>
+      </p:sp>
+      <p:sp>
+        <p:nvSpPr>
+          <p:cNvPr id="3" name="Date Placeholder 2"/>
+          <p:cNvSpPr>
+            <a:spLocks noGrp="1"/>
+          </p:cNvSpPr>
+          <p:nvPr>
+            <p:ph type="dt" idx="1"/>
+          </p:nvPr>
+        </p:nvSpPr>
+        <p:spPr>
+          <a:xfrm>
+            <a:off x="3884613" y="0"/>
+            <a:ext cx="2971800" cy="457200"/>
+          </a:xfrm>
+          <a:prstGeom prst="rect">
+            <a:avLst/>
+          </a:prstGeom>
+        </p:spPr>
+        <p:txBody>
+          <a:bodyPr vert="horz" lIns="91440" tIns="45720" rIns="91440" bIns="45720" rtlCol="0"/>
+          <a:lstStyle>
+            <a:lvl1pPr algn="r">
+              <a:defRPr sz="1200"/>
+            </a:lvl1pPr>
+          </a:lstStyle>
+          <a:p>
+            <a:fld id="{98F919E3-A5E0-4150-BB27-DC73984B2ADB}" type="datetimeFigureOut">
+              <a:rPr lang="en-US" smtClean="0"/>
+              <a:t>8/11/2016</a:t>
+            </a:fld>
+            <a:endParaRPr lang="en-US"/>
+          </a:p>
+        </p:txBody>
+      </p:sp>
+      <p:sp>
+        <p:nvSpPr>
+          <p:cNvPr id="4" name="Slide Image Placeholder 3"/>
+          <p:cNvSpPr>
+            <a:spLocks noGrp="1" noRot="1" noChangeAspect="1"/>
+          </p:cNvSpPr>
+          <p:nvPr>
+            <p:ph type="sldImg" idx="2"/>
+          </p:nvPr>
+        </p:nvSpPr>
+        <p:spPr>
+          <a:xfrm>
+            <a:off x="1143000" y="685800"/>
+            <a:ext cx="4572000" cy="3429000"/>
+          </a:xfrm>
+          <a:prstGeom prst="rect">
+            <a:avLst/>
+          </a:prstGeom>
+          <a:noFill/>
+          <a:ln w="12700">
+            <a:solidFill>
+              <a:prstClr val="black"/>
+            </a:solidFill>
+          </a:ln>
+        </p:spPr>
+        <p:txBody>
+          <a:bodyPr vert="horz" lIns="91440" tIns="45720" rIns="91440" bIns="45720" rtlCol="0" anchor="ctr"/>
+          <a:lstStyle/>
+          <a:p>
+            <a:endParaRPr lang="en-US"/>
+          </a:p>
+        </p:txBody>
+      </p:sp>
+      <p:sp>
+        <p:nvSpPr>
+          <p:cNvPr id="5" name="Notes Placeholder 4"/>
+          <p:cNvSpPr>
+            <a:spLocks noGrp="1"/>
+          </p:cNvSpPr>
+          <p:nvPr>
+            <p:ph type="body" sz="quarter" idx="3"/>
+          </p:nvPr>
+        </p:nvSpPr>
+        <p:spPr>
+          <a:xfrm>
+            <a:off x="685800" y="4343400"/>
+            <a:ext cx="5486400" cy="4114800"/>
+          </a:xfrm>
+          <a:prstGeom prst="rect">
+            <a:avLst/>
+          </a:prstGeom>
+        </p:spPr>
+        <p:txBody>
+          <a:bodyPr vert="horz" lIns="91440" tIns="45720" rIns="91440" bIns="45720" rtlCol="0">
+            <a:normAutofit/>
+          </a:bodyPr>
+          <a:lstStyle/>
+          <a:p>
+            <a:pPr lvl="0"/>
+            <a:r>
+              <a:rPr lang="en-US" smtClean="0"/>
+              <a:t>Click to edit Master text styles</a:t>
+            </a:r>
+          </a:p>
+          <a:p>
+            <a:pPr lvl="1"/>
+            <a:r>
+              <a:rPr lang="en-US" smtClean="0"/>
+              <a:t>Second level</a:t>
+            </a:r>
+          </a:p>
+          <a:p>
+            <a:pPr lvl="2"/>
+            <a:r>
+              <a:rPr lang="en-US" smtClean="0"/>
+              <a:t>Third level</a:t>
+            </a:r>
+          </a:p>
+          <a:p>
+            <a:pPr lvl="3"/>
+            <a:r>
+              <a:rPr lang="en-US" smtClean="0"/>
+              <a:t>Fourth level</a:t>
+            </a:r>
+          </a:p>
+          <a:p>
+            <a:pPr lvl="4"/>
+            <a:r>
+              <a:rPr lang="en-US" smtClean="0"/>
+              <a:t>Fifth level</a:t>
+            </a:r>
+            <a:endParaRPr lang="en-US"/>
+          </a:p>
+        </p:txBody>
+      </p:sp>
+      <p:sp>
+        <p:nvSpPr>
+          <p:cNvPr id="6" name="Footer Placeholder 5"/>
+          <p:cNvSpPr>
+            <a:spLocks noGrp="1"/>
+          </p:cNvSpPr>
+          <p:nvPr>
+            <p:ph type="ftr" sz="quarter" idx="4"/>
+          </p:nvPr>
+        </p:nvSpPr>
+        <p:spPr>
+          <a:xfrm>
+            <a:off x="0" y="8685213"/>
+            <a:ext cx="2971800" cy="457200"/>
+          </a:xfrm>
+          <a:prstGeom prst="rect">
+            <a:avLst/>
+          </a:prstGeom>
+        </p:spPr>
+        <p:txBody>
+          <a:bodyPr vert="horz" lIns="91440" tIns="45720" rIns="91440" bIns="45720" rtlCol="0" anchor="b"/>
+          <a:lstStyle>
+            <a:lvl1pPr algn="l">
+              <a:defRPr sz="1200"/>
+            </a:lvl1pPr>
+          </a:lstStyle>
+          <a:p>
+            <a:endParaRPr lang="en-US"/>
+          </a:p>
+        </p:txBody>
+      </p:sp>
+      <p:sp>
+        <p:nvSpPr>
+          <p:cNvPr id="7" name="Slide Number Placeholder 6"/>
+          <p:cNvSpPr>
+            <a:spLocks noGrp="1"/>
+          </p:cNvSpPr>
+          <p:nvPr>
+            <p:ph type="sldNum" sz="quarter" idx="5"/>
+          </p:nvPr>
+        </p:nvSpPr>
+        <p:spPr>
+          <a:xfrm>
+            <a:off x="3884613" y="8685213"/>
+            <a:ext cx="2971800" cy="457200"/>
+          </a:xfrm>
+          <a:prstGeom prst="rect">
+            <a:avLst/>
+          </a:prstGeom>
+        </p:spPr>
+        <p:txBody>
+          <a:bodyPr vert="horz" lIns="91440" tIns="45720" rIns="91440" bIns="45720" rtlCol="0" anchor="b"/>
+          <a:lstStyle>
+            <a:lvl1pPr algn="r">
+              <a:defRPr sz="1200"/>
+            </a:lvl1pPr>
+          </a:lstStyle>
+          <a:p>
+            <a:fld id="{A307331F-B472-4C89-802B-4D49E9B2B8EB}" type="slidenum">
+              <a:rPr lang="en-US" smtClean="0"/>
+              <a:t>‹#›</a:t>
+            </a:fld>
+            <a:endParaRPr lang="en-US"/>
+          </a:p>
+        </p:txBody>
+      </p:sp>
+    </p:spTree>
+  </p:cSld>
+  <p:clrMap bg1="lt1" tx1="dk1" bg2="lt2" tx2="dk2" accent1="accent1" accent2="accent2" accent3="accent3" accent4="accent4" accent5="accent5" accent6="accent6" hlink="hlink" folHlink="folHlink"/>
+  <p:notesStyle>
+    <a:lvl1pPr marL="0" algn="l" defTabSz="914400" rtl="0" eaLnBrk="1" latinLnBrk="0" hangingPunct="1">
+      <a:defRPr sz="1200" kern="1200">
+        <a:solidFill>
+          <a:schemeClr val="tx1"/>
+        </a:solidFill>
+        <a:latin typeface="+mn-lt"/>
+        <a:ea typeface="+mn-ea"/>
+        <a:cs typeface="+mn-cs"/>
+      </a:defRPr>
+    </a:lvl1pPr>
+    <a:lvl2pPr marL="457200" algn="l" defTabSz="914400" rtl="0" eaLnBrk="1" latinLnBrk="0" hangingPunct="1">
+      <a:defRPr sz="1200" kern="1200">
+        <a:solidFill>
+          <a:schemeClr val="tx1"/>
+        </a:solidFill>
+        <a:latin typeface="+mn-lt"/>
+        <a:ea typeface="+mn-ea"/>
+        <a:cs typeface="+mn-cs"/>
+      </a:defRPr>
+    </a:lvl2pPr>
+    <a:lvl3pPr marL="914400" algn="l" defTabSz="914400" rtl="0" eaLnBrk="1" latinLnBrk="0" hangingPunct="1">
+      <a:defRPr sz="1200" kern="1200">
+        <a:solidFill>
+          <a:schemeClr val="tx1"/>
+        </a:solidFill>
+        <a:latin typeface="+mn-lt"/>
+        <a:ea typeface="+mn-ea"/>
+        <a:cs typeface="+mn-cs"/>
+      </a:defRPr>
+    </a:lvl3pPr>
+    <a:lvl4pPr marL="1371600" algn="l" defTabSz="914400" rtl="0" eaLnBrk="1" latinLnBrk="0" hangingPunct="1">
+      <a:defRPr sz="1200" kern="1200">
+        <a:solidFill>
+          <a:schemeClr val="tx1"/>
+        </a:solidFill>
+        <a:latin typeface="+mn-lt"/>
+        <a:ea typeface="+mn-ea"/>
+        <a:cs typeface="+mn-cs"/>
+      </a:defRPr>
+    </a:lvl4pPr>
+    <a:lvl5pPr marL="1828800" algn="l" defTabSz="914400" rtl="0" eaLnBrk="1" latinLnBrk="0" hangingPunct="1">
+      <a:defRPr sz="1200" kern="1200">
+        <a:solidFill>
+          <a:schemeClr val="tx1"/>
+        </a:solidFill>
+        <a:latin typeface="+mn-lt"/>
+        <a:ea typeface="+mn-ea"/>
+        <a:cs typeface="+mn-cs"/>
+      </a:defRPr>
+    </a:lvl5pPr>
+    <a:lvl6pPr marL="2286000" algn="l" defTabSz="914400" rtl="0" eaLnBrk="1" latinLnBrk="0" hangingPunct="1">
+      <a:defRPr sz="1200" kern="1200">
+        <a:solidFill>
+          <a:schemeClr val="tx1"/>
+        </a:solidFill>
+        <a:latin typeface="+mn-lt"/>
+        <a:ea typeface="+mn-ea"/>
+        <a:cs typeface="+mn-cs"/>
+      </a:defRPr>
+    </a:lvl6pPr>
+    <a:lvl7pPr marL="2743200" algn="l" defTabSz="914400" rtl="0" eaLnBrk="1" latinLnBrk="0" hangingPunct="1">
+      <a:defRPr sz="1200" kern="1200">
+        <a:solidFill>
+          <a:schemeClr val="tx1"/>
+        </a:solidFill>
+        <a:latin typeface="+mn-lt"/>
+        <a:ea typeface="+mn-ea"/>
+        <a:cs typeface="+mn-cs"/>
+      </a:defRPr>
+    </a:lvl7pPr>
+    <a:lvl8pPr marL="3200400" algn="l" defTabSz="914400" rtl="0" eaLnBrk="1" latinLnBrk="0" hangingPunct="1">
+      <a:defRPr sz="1200" kern="1200">
+        <a:solidFill>
+          <a:schemeClr val="tx1"/>
+        </a:solidFill>
+        <a:latin typeface="+mn-lt"/>
+        <a:ea typeface="+mn-ea"/>
+        <a:cs typeface="+mn-cs"/>
+      </a:defRPr>
+    </a:lvl8pPr>
+    <a:lvl9pPr marL="3657600" algn="l" defTabSz="914400" rtl="0" eaLnBrk="1" latinLnBrk="0" hangingPunct="1">
+      <a:defRPr sz="1200" kern="1200">
+        <a:solidFill>
+          <a:schemeClr val="tx1"/>
+        </a:solidFill>
+        <a:latin typeface="+mn-lt"/>
+        <a:ea typeface="+mn-ea"/>
+        <a:cs typeface="+mn-cs"/>
+      </a:defRPr>
+    </a:lvl9pPr>
+  </p:notesStyle>
+</p:notesMaster>
+</file>
+
+<file path=ppt/notesSlides/notesSlide1.xml><?xml version="1.0" encoding="utf-8"?>
+<p:notes xmlns:a="http://schemas.openxmlformats.org/drawingml/2006/main" xmlns:r="http://schemas.openxmlformats.org/officeDocument/2006/relationships" xmlns:p="http://schemas.openxmlformats.org/presentationml/2006/main">
+  <p:cSld>
+    <p:spTree>
+      <p:nvGrpSpPr>
+        <p:cNvPr id="1" name=""/>
+        <p:cNvGrpSpPr/>
+        <p:nvPr/>
+      </p:nvGrpSpPr>
+      <p:grpSpPr>
+        <a:xfrm>
+          <a:off x="0" y="0"/>
+          <a:ext cx="0" cy="0"/>
+          <a:chOff x="0" y="0"/>
+          <a:chExt cx="0" cy="0"/>
+        </a:xfrm>
+      </p:grpSpPr>
+      <p:sp>
+        <p:nvSpPr>
+          <p:cNvPr id="2" name="Slide Image Placeholder 1"/>
+          <p:cNvSpPr>
+            <a:spLocks noGrp="1" noRot="1" noChangeAspect="1"/>
+          </p:cNvSpPr>
+          <p:nvPr>
+            <p:ph type="sldImg"/>
+          </p:nvPr>
+        </p:nvSpPr>
+        <p:spPr/>
+      </p:sp>
+      <p:sp>
+        <p:nvSpPr>
+          <p:cNvPr id="3" name="Notes Placeholder 2"/>
+          <p:cNvSpPr>
+            <a:spLocks noGrp="1"/>
+          </p:cNvSpPr>
+          <p:nvPr>
+            <p:ph type="body" idx="1"/>
+          </p:nvPr>
+        </p:nvSpPr>
+        <p:spPr/>
+        <p:txBody>
+          <a:bodyPr>
+            <a:normAutofit/>
+          </a:bodyPr>
+          <a:lstStyle/>
+          <a:p>
+            <a:r>
+              <a:rPr lang="en-US" dirty="0" smtClean="0"/>
+              <a:t>Team </a:t>
+            </a:r>
+            <a:r>
+              <a:rPr lang="en-US" dirty="0" err="1" smtClean="0"/>
+              <a:t>Whipphl-Sippuhl</a:t>
+            </a:r>
+            <a:r>
+              <a:rPr lang="en-US" dirty="0" smtClean="0"/>
+              <a:t> (WHIPW-SIPW) “What happens in project week, stays in project week.”</a:t>
+            </a:r>
+          </a:p>
+          <a:p>
+            <a:endParaRPr lang="en-US" dirty="0" smtClean="0"/>
+          </a:p>
+          <a:p>
+            <a:r>
+              <a:rPr lang="en-US" dirty="0" smtClean="0"/>
+              <a:t>Presents – Karaoke Roulette:</a:t>
+            </a:r>
+            <a:r>
+              <a:rPr lang="en-US" baseline="0" dirty="0" smtClean="0"/>
+              <a:t> “Let’s get embarrassed.”</a:t>
+            </a:r>
+          </a:p>
+          <a:p>
+            <a:endParaRPr lang="en-US" baseline="0" dirty="0" smtClean="0"/>
+          </a:p>
+          <a:p>
+            <a:endParaRPr lang="en-US" dirty="0"/>
+          </a:p>
+        </p:txBody>
+      </p:sp>
+      <p:sp>
+        <p:nvSpPr>
+          <p:cNvPr id="4" name="Slide Number Placeholder 3"/>
+          <p:cNvSpPr>
+            <a:spLocks noGrp="1"/>
+          </p:cNvSpPr>
+          <p:nvPr>
+            <p:ph type="sldNum" sz="quarter" idx="10"/>
+          </p:nvPr>
+        </p:nvSpPr>
+        <p:spPr/>
+        <p:txBody>
+          <a:bodyPr/>
+          <a:lstStyle/>
+          <a:p>
+            <a:fld id="{A307331F-B472-4C89-802B-4D49E9B2B8EB}" type="slidenum">
+              <a:rPr lang="en-US" smtClean="0"/>
+              <a:t>1</a:t>
+            </a:fld>
+            <a:endParaRPr lang="en-US"/>
+          </a:p>
+        </p:txBody>
+      </p:sp>
+    </p:spTree>
+  </p:cSld>
+  <p:clrMapOvr>
+    <a:masterClrMapping/>
+  </p:clrMapOvr>
+</p:notes>
+</file>
+
+<file path=ppt/notesSlides/notesSlide2.xml><?xml version="1.0" encoding="utf-8"?>
+<p:notes xmlns:a="http://schemas.openxmlformats.org/drawingml/2006/main" xmlns:r="http://schemas.openxmlformats.org/officeDocument/2006/relationships" xmlns:p="http://schemas.openxmlformats.org/presentationml/2006/main">
+  <p:cSld>
+    <p:spTree>
+      <p:nvGrpSpPr>
+        <p:cNvPr id="1" name=""/>
+        <p:cNvGrpSpPr/>
+        <p:nvPr/>
+      </p:nvGrpSpPr>
+      <p:grpSpPr>
+        <a:xfrm>
+          <a:off x="0" y="0"/>
+          <a:ext cx="0" cy="0"/>
+          <a:chOff x="0" y="0"/>
+          <a:chExt cx="0" cy="0"/>
+        </a:xfrm>
+      </p:grpSpPr>
+      <p:sp>
+        <p:nvSpPr>
+          <p:cNvPr id="2" name="Slide Image Placeholder 1"/>
+          <p:cNvSpPr>
+            <a:spLocks noGrp="1" noRot="1" noChangeAspect="1"/>
+          </p:cNvSpPr>
+          <p:nvPr>
+            <p:ph type="sldImg"/>
+          </p:nvPr>
+        </p:nvSpPr>
+        <p:spPr/>
+      </p:sp>
+      <p:sp>
+        <p:nvSpPr>
+          <p:cNvPr id="3" name="Notes Placeholder 2"/>
+          <p:cNvSpPr>
+            <a:spLocks noGrp="1"/>
+          </p:cNvSpPr>
+          <p:nvPr>
+            <p:ph type="body" idx="1"/>
+          </p:nvPr>
+        </p:nvSpPr>
+        <p:spPr/>
+        <p:txBody>
+          <a:bodyPr>
+            <a:normAutofit/>
+          </a:bodyPr>
+          <a:lstStyle/>
+          <a:p>
+            <a:r>
+              <a:rPr lang="en-US" dirty="0" smtClean="0"/>
+              <a:t>As</a:t>
+            </a:r>
+            <a:r>
+              <a:rPr lang="en-US" baseline="0" dirty="0" smtClean="0"/>
+              <a:t> a team we wanted to create an app that was fun, entertaining, and social. Instead of inventing a new game we wanted to come up with an app that was sort of a “</a:t>
+            </a:r>
+            <a:r>
+              <a:rPr lang="en-US" baseline="0" dirty="0" err="1" smtClean="0"/>
+              <a:t>plugin</a:t>
+            </a:r>
+            <a:r>
+              <a:rPr lang="en-US" baseline="0" dirty="0" smtClean="0"/>
+              <a:t>” to an already existing activity people do that they find fun, entertaining and social – something you can do at home or when out with friends.</a:t>
+            </a:r>
+            <a:endParaRPr lang="en-US" dirty="0"/>
+          </a:p>
+        </p:txBody>
+      </p:sp>
+      <p:sp>
+        <p:nvSpPr>
+          <p:cNvPr id="4" name="Slide Number Placeholder 3"/>
+          <p:cNvSpPr>
+            <a:spLocks noGrp="1"/>
+          </p:cNvSpPr>
+          <p:nvPr>
+            <p:ph type="sldNum" sz="quarter" idx="10"/>
+          </p:nvPr>
+        </p:nvSpPr>
+        <p:spPr/>
+        <p:txBody>
+          <a:bodyPr/>
+          <a:lstStyle/>
+          <a:p>
+            <a:fld id="{A307331F-B472-4C89-802B-4D49E9B2B8EB}" type="slidenum">
+              <a:rPr lang="en-US" smtClean="0"/>
+              <a:t>2</a:t>
+            </a:fld>
+            <a:endParaRPr lang="en-US"/>
+          </a:p>
+        </p:txBody>
+      </p:sp>
+    </p:spTree>
+  </p:cSld>
+  <p:clrMapOvr>
+    <a:masterClrMapping/>
+  </p:clrMapOvr>
+</p:notes>
+</file>
+
+<file path=ppt/notesSlides/notesSlide3.xml><?xml version="1.0" encoding="utf-8"?>
+<p:notes xmlns:a="http://schemas.openxmlformats.org/drawingml/2006/main" xmlns:r="http://schemas.openxmlformats.org/officeDocument/2006/relationships" xmlns:p="http://schemas.openxmlformats.org/presentationml/2006/main">
+  <p:cSld>
+    <p:spTree>
+      <p:nvGrpSpPr>
+        <p:cNvPr id="1" name=""/>
+        <p:cNvGrpSpPr/>
+        <p:nvPr/>
+      </p:nvGrpSpPr>
+      <p:grpSpPr>
+        <a:xfrm>
+          <a:off x="0" y="0"/>
+          <a:ext cx="0" cy="0"/>
+          <a:chOff x="0" y="0"/>
+          <a:chExt cx="0" cy="0"/>
+        </a:xfrm>
+      </p:grpSpPr>
+      <p:sp>
+        <p:nvSpPr>
+          <p:cNvPr id="2" name="Slide Image Placeholder 1"/>
+          <p:cNvSpPr>
+            <a:spLocks noGrp="1" noRot="1" noChangeAspect="1"/>
+          </p:cNvSpPr>
+          <p:nvPr>
+            <p:ph type="sldImg"/>
+          </p:nvPr>
+        </p:nvSpPr>
+        <p:spPr/>
+      </p:sp>
+      <p:sp>
+        <p:nvSpPr>
+          <p:cNvPr id="3" name="Notes Placeholder 2"/>
+          <p:cNvSpPr>
+            <a:spLocks noGrp="1"/>
+          </p:cNvSpPr>
+          <p:nvPr>
+            <p:ph type="body" idx="1"/>
+          </p:nvPr>
+        </p:nvSpPr>
+        <p:spPr/>
+        <p:txBody>
+          <a:bodyPr>
+            <a:normAutofit/>
+          </a:bodyPr>
+          <a:lstStyle/>
+          <a:p>
+            <a:r>
+              <a:rPr lang="en-US" dirty="0" smtClean="0"/>
+              <a:t>So came the idea of Karaoke Roulette</a:t>
+            </a:r>
+            <a:r>
+              <a:rPr lang="en-US" baseline="0" dirty="0" smtClean="0"/>
+              <a:t> – an extreme version of Karaoke. Instead of getting on stage and singing one song you selected, you have to get on stage and sing about 15 to 30 seconds of a randomly generated song at a randomly selected point in the song. And you do that with three songs total. The lyrics are provided like regular karaoke but players really need to stay on their toes.</a:t>
+            </a:r>
+          </a:p>
+          <a:p>
+            <a:endParaRPr lang="en-US" baseline="0" dirty="0" smtClean="0"/>
+          </a:p>
+          <a:p>
+            <a:r>
+              <a:rPr lang="en-US" baseline="0" dirty="0" smtClean="0"/>
+              <a:t>I know what you’re thinking. Lauren, this karaoke is totally out of control. But let me remind you how boring it can be on karaoke nights when the same person is singing the same songs they usually sing, because they sing them moderately decent. Your karaoke night NEEDS Karaoke Roulette.</a:t>
+            </a:r>
+          </a:p>
+          <a:p>
+            <a:endParaRPr lang="en-US" baseline="0" dirty="0" smtClean="0"/>
+          </a:p>
+          <a:p>
+            <a:r>
+              <a:rPr lang="en-US" baseline="0" dirty="0" smtClean="0"/>
+              <a:t>To add to the entertainment and overall soul crushing embarrassment of karaoke roulette we have incorporate a live social media feed. So, while you are attempting to spit out Biggie lyrics before going into 20 seconds of Greased Lightening – there is a live twitter feed that anyone at the bar is free to comment on your performance. People at the bar don’t have a twitter? No problem. Users can thumbs up, thumbs down and even poultry leg you if they please.</a:t>
+            </a:r>
+            <a:endParaRPr lang="en-US" dirty="0"/>
+          </a:p>
+        </p:txBody>
+      </p:sp>
+      <p:sp>
+        <p:nvSpPr>
+          <p:cNvPr id="4" name="Slide Number Placeholder 3"/>
+          <p:cNvSpPr>
+            <a:spLocks noGrp="1"/>
+          </p:cNvSpPr>
+          <p:nvPr>
+            <p:ph type="sldNum" sz="quarter" idx="10"/>
+          </p:nvPr>
+        </p:nvSpPr>
+        <p:spPr/>
+        <p:txBody>
+          <a:bodyPr/>
+          <a:lstStyle/>
+          <a:p>
+            <a:fld id="{A307331F-B472-4C89-802B-4D49E9B2B8EB}" type="slidenum">
+              <a:rPr lang="en-US" smtClean="0"/>
+              <a:t>3</a:t>
+            </a:fld>
+            <a:endParaRPr lang="en-US"/>
+          </a:p>
+        </p:txBody>
+      </p:sp>
+    </p:spTree>
+  </p:cSld>
+  <p:clrMapOvr>
+    <a:masterClrMapping/>
+  </p:clrMapOvr>
+</p:notes>
+</file>
+
+<file path=ppt/notesSlides/notesSlide4.xml><?xml version="1.0" encoding="utf-8"?>
+<p:notes xmlns:a="http://schemas.openxmlformats.org/drawingml/2006/main" xmlns:r="http://schemas.openxmlformats.org/officeDocument/2006/relationships" xmlns:p="http://schemas.openxmlformats.org/presentationml/2006/main">
+  <p:cSld>
+    <p:spTree>
+      <p:nvGrpSpPr>
+        <p:cNvPr id="1" name=""/>
+        <p:cNvGrpSpPr/>
+        <p:nvPr/>
+      </p:nvGrpSpPr>
+      <p:grpSpPr>
+        <a:xfrm>
+          <a:off x="0" y="0"/>
+          <a:ext cx="0" cy="0"/>
+          <a:chOff x="0" y="0"/>
+          <a:chExt cx="0" cy="0"/>
+        </a:xfrm>
+      </p:grpSpPr>
+      <p:sp>
+        <p:nvSpPr>
+          <p:cNvPr id="2" name="Slide Image Placeholder 1"/>
+          <p:cNvSpPr>
+            <a:spLocks noGrp="1" noRot="1" noChangeAspect="1"/>
+          </p:cNvSpPr>
+          <p:nvPr>
+            <p:ph type="sldImg"/>
+          </p:nvPr>
+        </p:nvSpPr>
+        <p:spPr/>
+      </p:sp>
+      <p:sp>
+        <p:nvSpPr>
+          <p:cNvPr id="3" name="Notes Placeholder 2"/>
+          <p:cNvSpPr>
+            <a:spLocks noGrp="1"/>
+          </p:cNvSpPr>
+          <p:nvPr>
+            <p:ph type="body" idx="1"/>
+          </p:nvPr>
+        </p:nvSpPr>
+        <p:spPr/>
+        <p:txBody>
+          <a:bodyPr>
+            <a:normAutofit/>
+          </a:bodyPr>
+          <a:lstStyle/>
+          <a:p>
+            <a:r>
+              <a:rPr lang="en-US" baseline="0" dirty="0" smtClean="0"/>
+              <a:t>To add to the entertainment and overall soul crushing embarrassment of karaoke roulette we have incorporate a live social media feed. So, while you are attempting to spit out Biggie lyrics before going into 20 seconds of Greased Lightening – there is a live twitter feed that anyone at the bar is free to comment on your performance. People at the bar don’t have a twitter? No problem. Users can thumbs up, thumbs down and even poultry leg you if they please.</a:t>
+            </a:r>
+          </a:p>
+          <a:p>
+            <a:endParaRPr lang="en-US" baseline="0" dirty="0" smtClean="0"/>
+          </a:p>
+          <a:p>
+            <a:r>
+              <a:rPr lang="en-US" baseline="0" dirty="0" smtClean="0"/>
+              <a:t>Why this is so great for the business owner is – this is a great tool to boost your social media presence. So Twitter users will include the </a:t>
+            </a:r>
+            <a:r>
+              <a:rPr lang="en-US" baseline="0" dirty="0" err="1" smtClean="0"/>
+              <a:t>hashtag</a:t>
+            </a:r>
+            <a:r>
+              <a:rPr lang="en-US" baseline="0" dirty="0" smtClean="0"/>
+              <a:t> karaoke roulette they will actually </a:t>
+            </a:r>
+            <a:r>
+              <a:rPr lang="en-US" baseline="0" dirty="0" err="1" smtClean="0"/>
+              <a:t>tweat</a:t>
+            </a:r>
+            <a:r>
+              <a:rPr lang="en-US" baseline="0" dirty="0" smtClean="0"/>
+              <a:t> @ business. Most businesses have twitter linked with their </a:t>
+            </a:r>
+            <a:r>
+              <a:rPr lang="en-US" baseline="0" dirty="0" err="1" smtClean="0"/>
+              <a:t>facebook</a:t>
+            </a:r>
+            <a:r>
+              <a:rPr lang="en-US" baseline="0" dirty="0" smtClean="0"/>
+              <a:t> and have a twitter feed like this on their webpage, so talk about a great way to show activity, and attract new customers, create a buzz.</a:t>
+            </a:r>
+          </a:p>
+          <a:p>
+            <a:endParaRPr lang="en-US" baseline="0" dirty="0" smtClean="0"/>
+          </a:p>
+          <a:p>
+            <a:r>
+              <a:rPr lang="en-US" baseline="0" dirty="0" smtClean="0"/>
+              <a:t>And now to talk about the development of this fun, entertaining, social app please welcome Charles up to tell you about the magical world of the YouTube API.</a:t>
+            </a:r>
+            <a:endParaRPr lang="en-US" dirty="0"/>
+          </a:p>
+        </p:txBody>
+      </p:sp>
+      <p:sp>
+        <p:nvSpPr>
+          <p:cNvPr id="4" name="Slide Number Placeholder 3"/>
+          <p:cNvSpPr>
+            <a:spLocks noGrp="1"/>
+          </p:cNvSpPr>
+          <p:nvPr>
+            <p:ph type="sldNum" sz="quarter" idx="10"/>
+          </p:nvPr>
+        </p:nvSpPr>
+        <p:spPr/>
+        <p:txBody>
+          <a:bodyPr/>
+          <a:lstStyle/>
+          <a:p>
+            <a:fld id="{A307331F-B472-4C89-802B-4D49E9B2B8EB}" type="slidenum">
+              <a:rPr lang="en-US" smtClean="0"/>
+              <a:t>4</a:t>
+            </a:fld>
+            <a:endParaRPr lang="en-US"/>
+          </a:p>
+        </p:txBody>
+      </p:sp>
+    </p:spTree>
+  </p:cSld>
+  <p:clrMapOvr>
+    <a:masterClrMapping/>
+  </p:clrMapOvr>
+</p:notes>
+</file>
+
+<file path=ppt/notesSlides/notesSlide5.xml><?xml version="1.0" encoding="utf-8"?>
+<p:notes xmlns:a="http://schemas.openxmlformats.org/drawingml/2006/main" xmlns:r="http://schemas.openxmlformats.org/officeDocument/2006/relationships" xmlns:p="http://schemas.openxmlformats.org/presentationml/2006/main">
+  <p:cSld>
+    <p:spTree>
+      <p:nvGrpSpPr>
+        <p:cNvPr id="1" name=""/>
+        <p:cNvGrpSpPr/>
+        <p:nvPr/>
+      </p:nvGrpSpPr>
+      <p:grpSpPr>
+        <a:xfrm>
+          <a:off x="0" y="0"/>
+          <a:ext cx="0" cy="0"/>
+          <a:chOff x="0" y="0"/>
+          <a:chExt cx="0" cy="0"/>
+        </a:xfrm>
+      </p:grpSpPr>
+      <p:sp>
+        <p:nvSpPr>
+          <p:cNvPr id="2" name="Slide Image Placeholder 1"/>
+          <p:cNvSpPr>
+            <a:spLocks noGrp="1" noRot="1" noChangeAspect="1"/>
+          </p:cNvSpPr>
+          <p:nvPr>
+            <p:ph type="sldImg"/>
+          </p:nvPr>
+        </p:nvSpPr>
+        <p:spPr/>
+      </p:sp>
+      <p:sp>
+        <p:nvSpPr>
+          <p:cNvPr id="3" name="Notes Placeholder 2"/>
+          <p:cNvSpPr>
+            <a:spLocks noGrp="1"/>
+          </p:cNvSpPr>
+          <p:nvPr>
+            <p:ph type="body" idx="1"/>
+          </p:nvPr>
+        </p:nvSpPr>
+        <p:spPr/>
+        <p:txBody>
+          <a:bodyPr>
+            <a:normAutofit fontScale="92500" lnSpcReduction="20000"/>
+          </a:bodyPr>
+          <a:lstStyle/>
+          <a:p>
+            <a:pPr lvl="2"/>
+            <a:r>
+              <a:rPr lang="en-US" sz="2800" dirty="0" smtClean="0">
+                <a:solidFill>
+                  <a:schemeClr val="bg1"/>
+                </a:solidFill>
+                <a:latin typeface="Tw Cen MT" pitchFamily="34" charset="0"/>
+              </a:rPr>
+              <a:t>Charles</a:t>
+            </a:r>
+            <a:r>
+              <a:rPr lang="en-US" sz="2800" baseline="0" dirty="0" smtClean="0">
+                <a:solidFill>
+                  <a:schemeClr val="bg1"/>
+                </a:solidFill>
+                <a:latin typeface="Tw Cen MT" pitchFamily="34" charset="0"/>
+              </a:rPr>
+              <a:t> -</a:t>
+            </a:r>
+          </a:p>
+          <a:p>
+            <a:pPr lvl="2"/>
+            <a:endParaRPr lang="en-US" sz="2800" dirty="0" smtClean="0">
+              <a:solidFill>
+                <a:schemeClr val="bg1"/>
+              </a:solidFill>
+              <a:latin typeface="Tw Cen MT" pitchFamily="34" charset="0"/>
+            </a:endParaRPr>
+          </a:p>
+          <a:p>
+            <a:pPr lvl="2"/>
+            <a:r>
+              <a:rPr lang="en-US" sz="2800" dirty="0" smtClean="0">
+                <a:solidFill>
+                  <a:schemeClr val="bg1"/>
+                </a:solidFill>
+                <a:latin typeface="Tw Cen MT" pitchFamily="34" charset="0"/>
+              </a:rPr>
+              <a:t>Using</a:t>
+            </a:r>
+            <a:r>
+              <a:rPr lang="en-US" sz="2800" baseline="0" dirty="0" smtClean="0">
+                <a:solidFill>
+                  <a:schemeClr val="bg1"/>
+                </a:solidFill>
+                <a:latin typeface="Tw Cen MT" pitchFamily="34" charset="0"/>
+              </a:rPr>
+              <a:t> the YouTube API to randomly select songs, at random intervals.</a:t>
+            </a:r>
+          </a:p>
+          <a:p>
+            <a:pPr lvl="2"/>
+            <a:endParaRPr lang="en-US" sz="2800" baseline="0" dirty="0" smtClean="0">
+              <a:solidFill>
+                <a:schemeClr val="bg1"/>
+              </a:solidFill>
+              <a:latin typeface="Tw Cen MT" pitchFamily="34" charset="0"/>
+            </a:endParaRPr>
+          </a:p>
+          <a:p>
+            <a:pPr lvl="2"/>
+            <a:r>
+              <a:rPr lang="en-US" sz="2800" baseline="0" dirty="0" smtClean="0">
+                <a:solidFill>
+                  <a:schemeClr val="bg1"/>
+                </a:solidFill>
+                <a:latin typeface="Tw Cen MT" pitchFamily="34" charset="0"/>
+              </a:rPr>
+              <a:t>Challenging included:</a:t>
+            </a:r>
+          </a:p>
+          <a:p>
+            <a:pPr lvl="2"/>
+            <a:r>
+              <a:rPr lang="en-US" sz="2800" baseline="0" dirty="0" smtClean="0">
+                <a:solidFill>
+                  <a:schemeClr val="bg1"/>
+                </a:solidFill>
+                <a:latin typeface="Tw Cen MT" pitchFamily="34" charset="0"/>
+              </a:rPr>
+              <a:t>Videos with ads</a:t>
+            </a:r>
+          </a:p>
+          <a:p>
+            <a:pPr lvl="2"/>
+            <a:r>
+              <a:rPr lang="en-US" sz="2800" baseline="0" dirty="0" smtClean="0">
+                <a:solidFill>
+                  <a:schemeClr val="bg1"/>
+                </a:solidFill>
+                <a:latin typeface="Tw Cen MT" pitchFamily="34" charset="0"/>
+              </a:rPr>
+              <a:t>Starting at random points</a:t>
+            </a:r>
+            <a:endParaRPr lang="en-US" sz="2800" dirty="0" smtClean="0">
+              <a:solidFill>
+                <a:schemeClr val="bg1"/>
+              </a:solidFill>
+              <a:latin typeface="Tw Cen MT" pitchFamily="34" charset="0"/>
+            </a:endParaRPr>
+          </a:p>
+          <a:p>
+            <a:pPr lvl="2"/>
+            <a:endParaRPr lang="en-US" sz="2800" dirty="0" smtClean="0">
+              <a:solidFill>
+                <a:schemeClr val="bg1"/>
+              </a:solidFill>
+              <a:latin typeface="Tw Cen MT" pitchFamily="34" charset="0"/>
+            </a:endParaRPr>
+          </a:p>
+          <a:p>
+            <a:pPr lvl="2"/>
+            <a:r>
+              <a:rPr lang="en-US" sz="2800" dirty="0" smtClean="0">
+                <a:solidFill>
+                  <a:schemeClr val="bg1"/>
+                </a:solidFill>
+                <a:latin typeface="Tw Cen MT" pitchFamily="34" charset="0"/>
+              </a:rPr>
+              <a:t>Originally we wanted to use the</a:t>
+            </a:r>
+            <a:r>
+              <a:rPr lang="en-US" sz="2800" baseline="0" dirty="0" smtClean="0">
+                <a:solidFill>
+                  <a:schemeClr val="bg1"/>
+                </a:solidFill>
+                <a:latin typeface="Tw Cen MT" pitchFamily="34" charset="0"/>
+              </a:rPr>
+              <a:t> Slack API to create a live messaging feature paired with the ran</a:t>
+            </a:r>
+            <a:endParaRPr lang="en-US" sz="2800" dirty="0" smtClean="0">
+              <a:solidFill>
+                <a:schemeClr val="bg1"/>
+              </a:solidFill>
+              <a:latin typeface="Tw Cen MT" pitchFamily="34" charset="0"/>
+            </a:endParaRPr>
+          </a:p>
+          <a:p>
+            <a:pPr lvl="2"/>
+            <a:endParaRPr lang="en-US" sz="2800" dirty="0" smtClean="0">
+              <a:solidFill>
+                <a:schemeClr val="bg1"/>
+              </a:solidFill>
+              <a:latin typeface="Tw Cen MT" pitchFamily="34" charset="0"/>
+            </a:endParaRPr>
+          </a:p>
+        </p:txBody>
+      </p:sp>
+      <p:sp>
+        <p:nvSpPr>
+          <p:cNvPr id="4" name="Slide Number Placeholder 3"/>
+          <p:cNvSpPr>
+            <a:spLocks noGrp="1"/>
+          </p:cNvSpPr>
+          <p:nvPr>
+            <p:ph type="sldNum" sz="quarter" idx="10"/>
+          </p:nvPr>
+        </p:nvSpPr>
+        <p:spPr/>
+        <p:txBody>
+          <a:bodyPr/>
+          <a:lstStyle/>
+          <a:p>
+            <a:fld id="{A307331F-B472-4C89-802B-4D49E9B2B8EB}" type="slidenum">
+              <a:rPr lang="en-US" smtClean="0"/>
+              <a:t>5</a:t>
+            </a:fld>
+            <a:endParaRPr lang="en-US"/>
+          </a:p>
+        </p:txBody>
+      </p:sp>
+    </p:spTree>
+  </p:cSld>
+  <p:clrMapOvr>
+    <a:masterClrMapping/>
+  </p:clrMapOvr>
+</p:notes>
+</file>
+
+<file path=ppt/notesSlides/notesSlide6.xml><?xml version="1.0" encoding="utf-8"?>
+<p:notes xmlns:a="http://schemas.openxmlformats.org/drawingml/2006/main" xmlns:r="http://schemas.openxmlformats.org/officeDocument/2006/relationships" xmlns:p="http://schemas.openxmlformats.org/presentationml/2006/main">
+  <p:cSld>
+    <p:spTree>
+      <p:nvGrpSpPr>
+        <p:cNvPr id="1" name=""/>
+        <p:cNvGrpSpPr/>
+        <p:nvPr/>
+      </p:nvGrpSpPr>
+      <p:grpSpPr>
+        <a:xfrm>
+          <a:off x="0" y="0"/>
+          <a:ext cx="0" cy="0"/>
+          <a:chOff x="0" y="0"/>
+          <a:chExt cx="0" cy="0"/>
+        </a:xfrm>
+      </p:grpSpPr>
+      <p:sp>
+        <p:nvSpPr>
+          <p:cNvPr id="2" name="Slide Image Placeholder 1"/>
+          <p:cNvSpPr>
+            <a:spLocks noGrp="1" noRot="1" noChangeAspect="1"/>
+          </p:cNvSpPr>
+          <p:nvPr>
+            <p:ph type="sldImg"/>
+          </p:nvPr>
+        </p:nvSpPr>
+        <p:spPr/>
+      </p:sp>
+      <p:sp>
+        <p:nvSpPr>
+          <p:cNvPr id="3" name="Notes Placeholder 2"/>
+          <p:cNvSpPr>
+            <a:spLocks noGrp="1"/>
+          </p:cNvSpPr>
+          <p:nvPr>
+            <p:ph type="body" idx="1"/>
+          </p:nvPr>
+        </p:nvSpPr>
+        <p:spPr/>
+        <p:txBody>
+          <a:bodyPr>
+            <a:normAutofit/>
+          </a:bodyPr>
+          <a:lstStyle/>
+          <a:p>
+            <a:r>
+              <a:rPr lang="en-US" dirty="0" smtClean="0"/>
+              <a:t>YouTube API</a:t>
+            </a:r>
+          </a:p>
+          <a:p>
+            <a:r>
+              <a:rPr lang="en-US" dirty="0" smtClean="0"/>
+              <a:t>Twitter API</a:t>
+            </a:r>
+          </a:p>
+          <a:p>
+            <a:endParaRPr lang="en-US" dirty="0" smtClean="0"/>
+          </a:p>
+          <a:p>
+            <a:r>
+              <a:rPr lang="en-US" dirty="0" smtClean="0"/>
+              <a:t>HTML/CSS/Bootstrap</a:t>
+            </a:r>
+          </a:p>
+          <a:p>
+            <a:r>
+              <a:rPr lang="en-US" dirty="0" smtClean="0"/>
+              <a:t>Firebase</a:t>
+            </a:r>
+            <a:r>
+              <a:rPr lang="en-US" baseline="0" dirty="0" smtClean="0"/>
+              <a:t> – </a:t>
+            </a:r>
+            <a:r>
+              <a:rPr lang="en-US" baseline="0" dirty="0" err="1" smtClean="0"/>
+              <a:t>emoji</a:t>
+            </a:r>
+            <a:r>
+              <a:rPr lang="en-US" baseline="0" dirty="0" smtClean="0"/>
+              <a:t> voting</a:t>
+            </a:r>
+          </a:p>
+          <a:p>
+            <a:endParaRPr lang="en-US" baseline="0" dirty="0" smtClean="0"/>
+          </a:p>
+          <a:p>
+            <a:r>
+              <a:rPr lang="en-US" baseline="0" dirty="0" smtClean="0"/>
+              <a:t>User Validation Input with a email subscription form at </a:t>
+            </a:r>
+            <a:r>
+              <a:rPr lang="en-US" baseline="0" smtClean="0"/>
+              <a:t>the bottom</a:t>
+            </a:r>
+            <a:endParaRPr lang="en-US" dirty="0"/>
+          </a:p>
+        </p:txBody>
+      </p:sp>
+      <p:sp>
+        <p:nvSpPr>
+          <p:cNvPr id="4" name="Slide Number Placeholder 3"/>
+          <p:cNvSpPr>
+            <a:spLocks noGrp="1"/>
+          </p:cNvSpPr>
+          <p:nvPr>
+            <p:ph type="sldNum" sz="quarter" idx="10"/>
+          </p:nvPr>
+        </p:nvSpPr>
+        <p:spPr/>
+        <p:txBody>
+          <a:bodyPr/>
+          <a:lstStyle/>
+          <a:p>
+            <a:fld id="{A307331F-B472-4C89-802B-4D49E9B2B8EB}" type="slidenum">
+              <a:rPr lang="en-US" smtClean="0"/>
+              <a:t>6</a:t>
+            </a:fld>
+            <a:endParaRPr lang="en-US"/>
+          </a:p>
+        </p:txBody>
+      </p:sp>
+    </p:spTree>
+  </p:cSld>
+  <p:clrMapOvr>
+    <a:masterClrMapping/>
+  </p:clrMapOvr>
+</p:notes>
+</file>
+
 <file path=ppt/slideLayouts/slideLayout1.xml><?xml version="1.0" encoding="utf-8"?>
 <p:sldLayout xmlns:a="http://schemas.openxmlformats.org/drawingml/2006/main" xmlns:r="http://schemas.openxmlformats.org/officeDocument/2006/relationships" xmlns:p="http://schemas.openxmlformats.org/presentationml/2006/main" type="title" preserve="1">
   <p:cSld name="Title Slide">
@@ -288,7 +1445,8 @@
           <a:p>
             <a:fld id="{D834EF4D-46C0-4A97-A6A2-FAF750A717A1}" type="datetimeFigureOut">
               <a:rPr lang="en-US" smtClean="0"/>
-              <a:t>8/9/2016</a:t>
+              <a:pPr/>
+              <a:t>8/11/2016</a:t>
             </a:fld>
             <a:endParaRPr lang="en-US"/>
           </a:p>
@@ -330,6 +1488,7 @@
           <a:p>
             <a:fld id="{65549704-78D0-49A4-A072-FECA15B19F8A}" type="slidenum">
               <a:rPr lang="en-US" smtClean="0"/>
+              <a:pPr/>
               <a:t>‹#›</a:t>
             </a:fld>
             <a:endParaRPr lang="en-US"/>
@@ -453,7 +1612,8 @@
           <a:p>
             <a:fld id="{D834EF4D-46C0-4A97-A6A2-FAF750A717A1}" type="datetimeFigureOut">
               <a:rPr lang="en-US" smtClean="0"/>
-              <a:t>8/9/2016</a:t>
+              <a:pPr/>
+              <a:t>8/11/2016</a:t>
             </a:fld>
             <a:endParaRPr lang="en-US"/>
           </a:p>
@@ -495,6 +1655,7 @@
           <a:p>
             <a:fld id="{65549704-78D0-49A4-A072-FECA15B19F8A}" type="slidenum">
               <a:rPr lang="en-US" smtClean="0"/>
+              <a:pPr/>
               <a:t>‹#›</a:t>
             </a:fld>
             <a:endParaRPr lang="en-US"/>
@@ -628,7 +1789,8 @@
           <a:p>
             <a:fld id="{D834EF4D-46C0-4A97-A6A2-FAF750A717A1}" type="datetimeFigureOut">
               <a:rPr lang="en-US" smtClean="0"/>
-              <a:t>8/9/2016</a:t>
+              <a:pPr/>
+              <a:t>8/11/2016</a:t>
             </a:fld>
             <a:endParaRPr lang="en-US"/>
           </a:p>
@@ -670,6 +1832,7 @@
           <a:p>
             <a:fld id="{65549704-78D0-49A4-A072-FECA15B19F8A}" type="slidenum">
               <a:rPr lang="en-US" smtClean="0"/>
+              <a:pPr/>
               <a:t>‹#›</a:t>
             </a:fld>
             <a:endParaRPr lang="en-US"/>
@@ -793,7 +1956,8 @@
           <a:p>
             <a:fld id="{D834EF4D-46C0-4A97-A6A2-FAF750A717A1}" type="datetimeFigureOut">
               <a:rPr lang="en-US" smtClean="0"/>
-              <a:t>8/9/2016</a:t>
+              <a:pPr/>
+              <a:t>8/11/2016</a:t>
             </a:fld>
             <a:endParaRPr lang="en-US"/>
           </a:p>
@@ -835,6 +1999,7 @@
           <a:p>
             <a:fld id="{65549704-78D0-49A4-A072-FECA15B19F8A}" type="slidenum">
               <a:rPr lang="en-US" smtClean="0"/>
+              <a:pPr/>
               <a:t>‹#›</a:t>
             </a:fld>
             <a:endParaRPr lang="en-US"/>
@@ -1034,7 +2199,8 @@
           <a:p>
             <a:fld id="{D834EF4D-46C0-4A97-A6A2-FAF750A717A1}" type="datetimeFigureOut">
               <a:rPr lang="en-US" smtClean="0"/>
-              <a:t>8/9/2016</a:t>
+              <a:pPr/>
+              <a:t>8/11/2016</a:t>
             </a:fld>
             <a:endParaRPr lang="en-US"/>
           </a:p>
@@ -1076,6 +2242,7 @@
           <a:p>
             <a:fld id="{65549704-78D0-49A4-A072-FECA15B19F8A}" type="slidenum">
               <a:rPr lang="en-US" smtClean="0"/>
+              <a:pPr/>
               <a:t>‹#›</a:t>
             </a:fld>
             <a:endParaRPr lang="en-US"/>
@@ -1317,7 +2484,8 @@
           <a:p>
             <a:fld id="{D834EF4D-46C0-4A97-A6A2-FAF750A717A1}" type="datetimeFigureOut">
               <a:rPr lang="en-US" smtClean="0"/>
-              <a:t>8/9/2016</a:t>
+              <a:pPr/>
+              <a:t>8/11/2016</a:t>
             </a:fld>
             <a:endParaRPr lang="en-US"/>
           </a:p>
@@ -1359,6 +2527,7 @@
           <a:p>
             <a:fld id="{65549704-78D0-49A4-A072-FECA15B19F8A}" type="slidenum">
               <a:rPr lang="en-US" smtClean="0"/>
+              <a:pPr/>
               <a:t>‹#›</a:t>
             </a:fld>
             <a:endParaRPr lang="en-US"/>
@@ -1734,7 +2903,8 @@
           <a:p>
             <a:fld id="{D834EF4D-46C0-4A97-A6A2-FAF750A717A1}" type="datetimeFigureOut">
               <a:rPr lang="en-US" smtClean="0"/>
-              <a:t>8/9/2016</a:t>
+              <a:pPr/>
+              <a:t>8/11/2016</a:t>
             </a:fld>
             <a:endParaRPr lang="en-US"/>
           </a:p>
@@ -1776,6 +2946,7 @@
           <a:p>
             <a:fld id="{65549704-78D0-49A4-A072-FECA15B19F8A}" type="slidenum">
               <a:rPr lang="en-US" smtClean="0"/>
+              <a:pPr/>
               <a:t>‹#›</a:t>
             </a:fld>
             <a:endParaRPr lang="en-US"/>
@@ -1847,7 +3018,8 @@
           <a:p>
             <a:fld id="{D834EF4D-46C0-4A97-A6A2-FAF750A717A1}" type="datetimeFigureOut">
               <a:rPr lang="en-US" smtClean="0"/>
-              <a:t>8/9/2016</a:t>
+              <a:pPr/>
+              <a:t>8/11/2016</a:t>
             </a:fld>
             <a:endParaRPr lang="en-US"/>
           </a:p>
@@ -1889,6 +3061,7 @@
           <a:p>
             <a:fld id="{65549704-78D0-49A4-A072-FECA15B19F8A}" type="slidenum">
               <a:rPr lang="en-US" smtClean="0"/>
+              <a:pPr/>
               <a:t>‹#›</a:t>
             </a:fld>
             <a:endParaRPr lang="en-US"/>
@@ -1937,7 +3110,8 @@
           <a:p>
             <a:fld id="{D834EF4D-46C0-4A97-A6A2-FAF750A717A1}" type="datetimeFigureOut">
               <a:rPr lang="en-US" smtClean="0"/>
-              <a:t>8/9/2016</a:t>
+              <a:pPr/>
+              <a:t>8/11/2016</a:t>
             </a:fld>
             <a:endParaRPr lang="en-US"/>
           </a:p>
@@ -1979,6 +3153,7 @@
           <a:p>
             <a:fld id="{65549704-78D0-49A4-A072-FECA15B19F8A}" type="slidenum">
               <a:rPr lang="en-US" smtClean="0"/>
+              <a:pPr/>
               <a:t>‹#›</a:t>
             </a:fld>
             <a:endParaRPr lang="en-US"/>
@@ -2209,7 +3384,8 @@
           <a:p>
             <a:fld id="{D834EF4D-46C0-4A97-A6A2-FAF750A717A1}" type="datetimeFigureOut">
               <a:rPr lang="en-US" smtClean="0"/>
-              <a:t>8/9/2016</a:t>
+              <a:pPr/>
+              <a:t>8/11/2016</a:t>
             </a:fld>
             <a:endParaRPr lang="en-US"/>
           </a:p>
@@ -2251,6 +3427,7 @@
           <a:p>
             <a:fld id="{65549704-78D0-49A4-A072-FECA15B19F8A}" type="slidenum">
               <a:rPr lang="en-US" smtClean="0"/>
+              <a:pPr/>
               <a:t>‹#›</a:t>
             </a:fld>
             <a:endParaRPr lang="en-US"/>
@@ -2457,7 +3634,8 @@
           <a:p>
             <a:fld id="{D834EF4D-46C0-4A97-A6A2-FAF750A717A1}" type="datetimeFigureOut">
               <a:rPr lang="en-US" smtClean="0"/>
-              <a:t>8/9/2016</a:t>
+              <a:pPr/>
+              <a:t>8/11/2016</a:t>
             </a:fld>
             <a:endParaRPr lang="en-US"/>
           </a:p>
@@ -2499,6 +3677,7 @@
           <a:p>
             <a:fld id="{65549704-78D0-49A4-A072-FECA15B19F8A}" type="slidenum">
               <a:rPr lang="en-US" smtClean="0"/>
+              <a:pPr/>
               <a:t>‹#›</a:t>
             </a:fld>
             <a:endParaRPr lang="en-US"/>
@@ -2674,7 +3853,8 @@
           <a:p>
             <a:fld id="{D834EF4D-46C0-4A97-A6A2-FAF750A717A1}" type="datetimeFigureOut">
               <a:rPr lang="en-US" smtClean="0"/>
-              <a:t>8/9/2016</a:t>
+              <a:pPr/>
+              <a:t>8/11/2016</a:t>
             </a:fld>
             <a:endParaRPr lang="en-US"/>
           </a:p>
@@ -2752,6 +3932,7 @@
           <a:p>
             <a:fld id="{65549704-78D0-49A4-A072-FECA15B19F8A}" type="slidenum">
               <a:rPr lang="en-US" smtClean="0"/>
+              <a:pPr/>
               <a:t>‹#›</a:t>
             </a:fld>
             <a:endParaRPr lang="en-US"/>
@@ -3030,6 +4211,20 @@
 <file path=ppt/slides/slide1.xml><?xml version="1.0" encoding="utf-8"?>
 <p:sld xmlns:a="http://schemas.openxmlformats.org/drawingml/2006/main" xmlns:r="http://schemas.openxmlformats.org/officeDocument/2006/relationships" xmlns:p="http://schemas.openxmlformats.org/presentationml/2006/main">
   <p:cSld>
+    <p:bg>
+      <p:bgPr>
+        <a:blipFill dpi="0" rotWithShape="1">
+          <a:blip r:embed="rId3" cstate="print">
+            <a:lum/>
+          </a:blip>
+          <a:srcRect/>
+          <a:stretch>
+            <a:fillRect l="-11000" r="-11000"/>
+          </a:stretch>
+        </a:blipFill>
+        <a:effectLst/>
+      </p:bgPr>
+    </p:bg>
     <p:spTree>
       <p:nvGrpSpPr>
         <p:cNvPr id="1" name=""/>
@@ -3046,99 +4241,13 @@
       </p:grpSpPr>
       <p:sp>
         <p:nvSpPr>
-          <p:cNvPr id="2" name="Title 1"/>
-          <p:cNvSpPr>
-            <a:spLocks noGrp="1"/>
-          </p:cNvSpPr>
-          <p:nvPr>
-            <p:ph type="ctrTitle"/>
-          </p:nvPr>
-        </p:nvSpPr>
-        <p:spPr/>
-        <p:txBody>
-          <a:bodyPr/>
-          <a:lstStyle/>
-          <a:p>
-            <a:endParaRPr lang="en-US" dirty="0"/>
-          </a:p>
-        </p:txBody>
-      </p:sp>
-      <p:sp>
-        <p:nvSpPr>
-          <p:cNvPr id="3" name="Subtitle 2"/>
-          <p:cNvSpPr>
-            <a:spLocks noGrp="1"/>
-          </p:cNvSpPr>
-          <p:nvPr>
-            <p:ph type="subTitle" idx="1"/>
-          </p:nvPr>
-        </p:nvSpPr>
-        <p:spPr/>
-        <p:txBody>
-          <a:bodyPr/>
-          <a:lstStyle/>
-          <a:p>
-            <a:endParaRPr lang="en-US"/>
-          </a:p>
-        </p:txBody>
-      </p:sp>
-      <p:pic>
-        <p:nvPicPr>
-          <p:cNvPr id="4" name="Picture 3" descr="header-bg-1.jpg"/>
-          <p:cNvPicPr>
-            <a:picLocks noChangeAspect="1"/>
-          </p:cNvPicPr>
-          <p:nvPr/>
-        </p:nvPicPr>
-        <p:blipFill>
-          <a:blip r:embed="rId2" cstate="print"/>
-          <a:stretch>
-            <a:fillRect/>
-          </a:stretch>
-        </p:blipFill>
-        <p:spPr>
-          <a:xfrm>
-            <a:off x="0" y="381000"/>
-            <a:ext cx="9144000" cy="6096000"/>
-          </a:xfrm>
-          <a:prstGeom prst="rect">
-            <a:avLst/>
-          </a:prstGeom>
-        </p:spPr>
-      </p:pic>
-      <p:pic>
-        <p:nvPicPr>
-          <p:cNvPr id="5" name="Picture 4" descr="logo.png"/>
-          <p:cNvPicPr>
-            <a:picLocks noChangeAspect="1"/>
-          </p:cNvPicPr>
-          <p:nvPr/>
-        </p:nvPicPr>
-        <p:blipFill>
-          <a:blip r:embed="rId3" cstate="print"/>
-          <a:stretch>
-            <a:fillRect/>
-          </a:stretch>
-        </p:blipFill>
-        <p:spPr>
-          <a:xfrm>
-            <a:off x="2667000" y="2617470"/>
-            <a:ext cx="3810000" cy="1623060"/>
-          </a:xfrm>
-          <a:prstGeom prst="rect">
-            <a:avLst/>
-          </a:prstGeom>
-        </p:spPr>
-      </p:pic>
-      <p:sp>
-        <p:nvSpPr>
           <p:cNvPr id="6" name="TextBox 5"/>
           <p:cNvSpPr txBox="1"/>
           <p:nvPr/>
         </p:nvSpPr>
         <p:spPr>
           <a:xfrm>
-            <a:off x="685800" y="5486400"/>
+            <a:off x="685800" y="5257800"/>
             <a:ext cx="8077200" cy="707886"/>
           </a:xfrm>
           <a:prstGeom prst="rect">
@@ -3152,6 +4261,7 @@
           </a:bodyPr>
           <a:lstStyle/>
           <a:p>
+            <a:pPr algn="ctr"/>
             <a:r>
               <a:rPr lang="en-US" sz="2000" dirty="0" smtClean="0">
                 <a:solidFill>
@@ -3159,7 +4269,25 @@
                 </a:solidFill>
                 <a:latin typeface="Tw Cen MT" pitchFamily="34" charset="0"/>
               </a:rPr>
-              <a:t>Team Two // </a:t>
+              <a:t>Team </a:t>
+            </a:r>
+            <a:r>
+              <a:rPr lang="en-US" sz="2000" dirty="0" smtClean="0">
+                <a:solidFill>
+                  <a:schemeClr val="bg1"/>
+                </a:solidFill>
+                <a:latin typeface="Tw Cen MT" pitchFamily="34" charset="0"/>
+              </a:rPr>
+              <a:t>WHIPW-SIPW </a:t>
+            </a:r>
+            <a:r>
+              <a:rPr lang="en-US" sz="2000" dirty="0" smtClean="0">
+                <a:solidFill>
+                  <a:schemeClr val="bg1"/>
+                </a:solidFill>
+                <a:latin typeface="Tw Cen MT" pitchFamily="34" charset="0"/>
+              </a:rPr>
+              <a:t>// </a:t>
             </a:r>
             <a:r>
               <a:rPr lang="en-US" sz="2000" dirty="0">
@@ -3181,6 +4309,7 @@
             </a:r>
           </a:p>
           <a:p>
+            <a:pPr algn="ctr"/>
             <a:r>
               <a:rPr lang="en-US" sz="2000" dirty="0" smtClean="0">
                 <a:solidFill>
@@ -3233,8 +4362,32 @@
         </p:blipFill>
         <p:spPr>
           <a:xfrm>
-            <a:off x="2667000" y="2617470"/>
-            <a:ext cx="3810000" cy="1623060"/>
+            <a:off x="2093890" y="1371600"/>
+            <a:ext cx="4956220" cy="2111350"/>
+          </a:xfrm>
+          <a:prstGeom prst="rect">
+            <a:avLst/>
+          </a:prstGeom>
+        </p:spPr>
+      </p:pic>
+      <p:pic>
+        <p:nvPicPr>
+          <p:cNvPr id="11" name="Picture 10" descr="slogan.png"/>
+          <p:cNvPicPr>
+            <a:picLocks noChangeAspect="1"/>
+          </p:cNvPicPr>
+          <p:nvPr/>
+        </p:nvPicPr>
+        <p:blipFill>
+          <a:blip r:embed="rId5" cstate="print"/>
+          <a:stretch>
+            <a:fillRect/>
+          </a:stretch>
+        </p:blipFill>
+        <p:spPr>
+          <a:xfrm>
+            <a:off x="2743200" y="3581400"/>
+            <a:ext cx="3497580" cy="487680"/>
           </a:xfrm>
           <a:prstGeom prst="rect">
             <a:avLst/>
@@ -3246,6 +4399,1832 @@
   <p:clrMapOvr>
     <a:masterClrMapping/>
   </p:clrMapOvr>
+  <p:timing>
+    <p:tnLst>
+      <p:par>
+        <p:cTn id="1" dur="indefinite" restart="never" nodeType="tmRoot"/>
+      </p:par>
+    </p:tnLst>
+  </p:timing>
+</p:sld>
+</file>
+
+<file path=ppt/slides/slide10.xml><?xml version="1.0" encoding="utf-8"?>
+<p:sld xmlns:a="http://schemas.openxmlformats.org/drawingml/2006/main" xmlns:r="http://schemas.openxmlformats.org/officeDocument/2006/relationships" xmlns:p="http://schemas.openxmlformats.org/presentationml/2006/main">
+  <p:cSld>
+    <p:spTree>
+      <p:nvGrpSpPr>
+        <p:cNvPr id="1" name=""/>
+        <p:cNvGrpSpPr/>
+        <p:nvPr/>
+      </p:nvGrpSpPr>
+      <p:grpSpPr>
+        <a:xfrm>
+          <a:off x="0" y="0"/>
+          <a:ext cx="0" cy="0"/>
+          <a:chOff x="0" y="0"/>
+          <a:chExt cx="0" cy="0"/>
+        </a:xfrm>
+      </p:grpSpPr>
+      <p:sp>
+        <p:nvSpPr>
+          <p:cNvPr id="2" name="Title 1"/>
+          <p:cNvSpPr>
+            <a:spLocks noGrp="1"/>
+          </p:cNvSpPr>
+          <p:nvPr>
+            <p:ph type="title"/>
+          </p:nvPr>
+        </p:nvSpPr>
+        <p:spPr/>
+        <p:txBody>
+          <a:bodyPr>
+            <a:normAutofit/>
+          </a:bodyPr>
+          <a:lstStyle/>
+          <a:p>
+            <a:pPr algn="l"/>
+            <a:r>
+              <a:rPr lang="en-US" sz="3600" b="1" dirty="0" smtClean="0">
+                <a:solidFill>
+                  <a:schemeClr val="bg1"/>
+                </a:solidFill>
+                <a:latin typeface="Tw Cen MT" pitchFamily="34" charset="0"/>
+              </a:rPr>
+              <a:t>QUESTIONS &amp; COMMENTS</a:t>
+            </a:r>
+            <a:endParaRPr lang="en-US" sz="3600" b="1" dirty="0">
+              <a:solidFill>
+                <a:schemeClr val="bg1"/>
+              </a:solidFill>
+              <a:latin typeface="Tw Cen MT" pitchFamily="34" charset="0"/>
+            </a:endParaRPr>
+          </a:p>
+        </p:txBody>
+      </p:sp>
+      <p:pic>
+        <p:nvPicPr>
+          <p:cNvPr id="5" name="Picture 4" descr="logo-v2.png"/>
+          <p:cNvPicPr>
+            <a:picLocks noChangeAspect="1"/>
+          </p:cNvPicPr>
+          <p:nvPr/>
+        </p:nvPicPr>
+        <p:blipFill>
+          <a:blip r:embed="rId2" cstate="print"/>
+          <a:stretch>
+            <a:fillRect/>
+          </a:stretch>
+        </p:blipFill>
+        <p:spPr>
+          <a:xfrm>
+            <a:off x="7543800" y="6019800"/>
+            <a:ext cx="1333500" cy="568071"/>
+          </a:xfrm>
+          <a:prstGeom prst="rect">
+            <a:avLst/>
+          </a:prstGeom>
+        </p:spPr>
+      </p:pic>
+    </p:spTree>
+  </p:cSld>
+  <p:clrMapOvr>
+    <a:masterClrMapping/>
+  </p:clrMapOvr>
+  <p:timing>
+    <p:tnLst>
+      <p:par>
+        <p:cTn id="1" dur="indefinite" restart="never" nodeType="tmRoot"/>
+      </p:par>
+    </p:tnLst>
+  </p:timing>
+</p:sld>
+</file>
+
+<file path=ppt/slides/slide2.xml><?xml version="1.0" encoding="utf-8"?>
+<p:sld xmlns:a="http://schemas.openxmlformats.org/drawingml/2006/main" xmlns:r="http://schemas.openxmlformats.org/officeDocument/2006/relationships" xmlns:p="http://schemas.openxmlformats.org/presentationml/2006/main">
+  <p:cSld>
+    <p:spTree>
+      <p:nvGrpSpPr>
+        <p:cNvPr id="1" name=""/>
+        <p:cNvGrpSpPr/>
+        <p:nvPr/>
+      </p:nvGrpSpPr>
+      <p:grpSpPr>
+        <a:xfrm>
+          <a:off x="0" y="0"/>
+          <a:ext cx="0" cy="0"/>
+          <a:chOff x="0" y="0"/>
+          <a:chExt cx="0" cy="0"/>
+        </a:xfrm>
+      </p:grpSpPr>
+      <p:sp>
+        <p:nvSpPr>
+          <p:cNvPr id="2" name="Title 1"/>
+          <p:cNvSpPr>
+            <a:spLocks noGrp="1"/>
+          </p:cNvSpPr>
+          <p:nvPr>
+            <p:ph type="title"/>
+          </p:nvPr>
+        </p:nvSpPr>
+        <p:spPr/>
+        <p:txBody>
+          <a:bodyPr>
+            <a:normAutofit/>
+          </a:bodyPr>
+          <a:lstStyle/>
+          <a:p>
+            <a:pPr algn="l"/>
+            <a:r>
+              <a:rPr lang="en-US" b="1" dirty="0" smtClean="0">
+                <a:solidFill>
+                  <a:schemeClr val="bg1"/>
+                </a:solidFill>
+                <a:latin typeface="Tw Cen MT" pitchFamily="34" charset="0"/>
+              </a:rPr>
+              <a:t>APPLICATION CONCEPT</a:t>
+            </a:r>
+            <a:endParaRPr lang="en-US" b="1" dirty="0">
+              <a:solidFill>
+                <a:schemeClr val="bg1"/>
+              </a:solidFill>
+              <a:latin typeface="Tw Cen MT" pitchFamily="34" charset="0"/>
+            </a:endParaRPr>
+          </a:p>
+        </p:txBody>
+      </p:sp>
+      <p:sp>
+        <p:nvSpPr>
+          <p:cNvPr id="3" name="Content Placeholder 2"/>
+          <p:cNvSpPr>
+            <a:spLocks noGrp="1"/>
+          </p:cNvSpPr>
+          <p:nvPr>
+            <p:ph idx="1"/>
+          </p:nvPr>
+        </p:nvSpPr>
+        <p:spPr>
+          <a:xfrm>
+            <a:off x="457200" y="1905000"/>
+            <a:ext cx="8229600" cy="4221163"/>
+          </a:xfrm>
+        </p:spPr>
+        <p:txBody>
+          <a:bodyPr>
+            <a:normAutofit/>
+          </a:bodyPr>
+          <a:lstStyle/>
+          <a:p>
+            <a:r>
+              <a:rPr lang="en-US" sz="3600" dirty="0" smtClean="0">
+                <a:solidFill>
+                  <a:schemeClr val="bg1"/>
+                </a:solidFill>
+                <a:latin typeface="Tw Cen MT" pitchFamily="34" charset="0"/>
+              </a:rPr>
+              <a:t>Make something…</a:t>
+            </a:r>
+          </a:p>
+          <a:p>
+            <a:pPr lvl="2"/>
+            <a:r>
+              <a:rPr lang="en-US" sz="3200" dirty="0" smtClean="0">
+                <a:solidFill>
+                  <a:schemeClr val="bg1"/>
+                </a:solidFill>
+                <a:latin typeface="Tw Cen MT" pitchFamily="34" charset="0"/>
+              </a:rPr>
+              <a:t>Fun</a:t>
+            </a:r>
+          </a:p>
+          <a:p>
+            <a:pPr lvl="2"/>
+            <a:r>
+              <a:rPr lang="en-US" sz="3200" dirty="0" smtClean="0">
+                <a:solidFill>
+                  <a:schemeClr val="bg1"/>
+                </a:solidFill>
+                <a:latin typeface="Tw Cen MT" pitchFamily="34" charset="0"/>
+              </a:rPr>
+              <a:t>Entertaining</a:t>
+            </a:r>
+            <a:endParaRPr lang="en-US" sz="3200" dirty="0" smtClean="0">
+              <a:solidFill>
+                <a:schemeClr val="bg1"/>
+              </a:solidFill>
+              <a:latin typeface="Tw Cen MT" pitchFamily="34" charset="0"/>
+            </a:endParaRPr>
+          </a:p>
+          <a:p>
+            <a:pPr lvl="2"/>
+            <a:r>
+              <a:rPr lang="en-US" sz="3200" dirty="0" smtClean="0">
+                <a:solidFill>
+                  <a:schemeClr val="bg1"/>
+                </a:solidFill>
+                <a:latin typeface="Tw Cen MT" pitchFamily="34" charset="0"/>
+              </a:rPr>
+              <a:t>Social</a:t>
+            </a:r>
+            <a:endParaRPr lang="en-US" sz="3200" dirty="0" smtClean="0">
+              <a:solidFill>
+                <a:schemeClr val="bg1"/>
+              </a:solidFill>
+              <a:latin typeface="Tw Cen MT" pitchFamily="34" charset="0"/>
+            </a:endParaRPr>
+          </a:p>
+          <a:p>
+            <a:r>
+              <a:rPr lang="en-US" sz="3600" dirty="0" smtClean="0">
+                <a:solidFill>
+                  <a:schemeClr val="bg1"/>
+                </a:solidFill>
+                <a:latin typeface="Tw Cen MT" pitchFamily="34" charset="0"/>
+              </a:rPr>
+              <a:t>A </a:t>
+            </a:r>
+            <a:r>
+              <a:rPr lang="en-US" sz="3600" dirty="0" smtClean="0">
+                <a:solidFill>
+                  <a:schemeClr val="bg1"/>
+                </a:solidFill>
+                <a:latin typeface="Tw Cen MT" pitchFamily="34" charset="0"/>
+              </a:rPr>
+              <a:t>“</a:t>
+            </a:r>
+            <a:r>
+              <a:rPr lang="en-US" sz="3600" dirty="0" err="1" smtClean="0">
+                <a:solidFill>
+                  <a:schemeClr val="bg1"/>
+                </a:solidFill>
+                <a:latin typeface="Tw Cen MT" pitchFamily="34" charset="0"/>
+              </a:rPr>
+              <a:t>Plugin</a:t>
+            </a:r>
+            <a:r>
+              <a:rPr lang="en-US" sz="3600" dirty="0" smtClean="0">
+                <a:solidFill>
+                  <a:schemeClr val="bg1"/>
+                </a:solidFill>
+                <a:latin typeface="Tw Cen MT" pitchFamily="34" charset="0"/>
+              </a:rPr>
+              <a:t>” </a:t>
+            </a:r>
+            <a:r>
+              <a:rPr lang="en-US" sz="3600" dirty="0" smtClean="0">
+                <a:solidFill>
+                  <a:schemeClr val="bg1"/>
+                </a:solidFill>
+                <a:latin typeface="Tw Cen MT" pitchFamily="34" charset="0"/>
+              </a:rPr>
+              <a:t>app</a:t>
+            </a:r>
+          </a:p>
+          <a:p>
+            <a:endParaRPr lang="en-US" dirty="0" smtClean="0">
+              <a:solidFill>
+                <a:schemeClr val="bg1"/>
+              </a:solidFill>
+              <a:latin typeface="Tw Cen MT" pitchFamily="34" charset="0"/>
+            </a:endParaRPr>
+          </a:p>
+          <a:p>
+            <a:endParaRPr lang="en-US" dirty="0">
+              <a:solidFill>
+                <a:schemeClr val="bg1"/>
+              </a:solidFill>
+              <a:latin typeface="Tw Cen MT" pitchFamily="34" charset="0"/>
+            </a:endParaRPr>
+          </a:p>
+        </p:txBody>
+      </p:sp>
+      <p:pic>
+        <p:nvPicPr>
+          <p:cNvPr id="5" name="Picture 4" descr="logo-v2.png"/>
+          <p:cNvPicPr>
+            <a:picLocks noChangeAspect="1"/>
+          </p:cNvPicPr>
+          <p:nvPr/>
+        </p:nvPicPr>
+        <p:blipFill>
+          <a:blip r:embed="rId3" cstate="print"/>
+          <a:stretch>
+            <a:fillRect/>
+          </a:stretch>
+        </p:blipFill>
+        <p:spPr>
+          <a:xfrm>
+            <a:off x="7543800" y="6019800"/>
+            <a:ext cx="1333500" cy="568071"/>
+          </a:xfrm>
+          <a:prstGeom prst="rect">
+            <a:avLst/>
+          </a:prstGeom>
+        </p:spPr>
+      </p:pic>
+    </p:spTree>
+  </p:cSld>
+  <p:clrMapOvr>
+    <a:masterClrMapping/>
+  </p:clrMapOvr>
+  <p:timing>
+    <p:tnLst>
+      <p:par>
+        <p:cTn id="1" dur="indefinite" restart="never" nodeType="tmRoot"/>
+      </p:par>
+    </p:tnLst>
+  </p:timing>
+</p:sld>
+</file>
+
+<file path=ppt/slides/slide3.xml><?xml version="1.0" encoding="utf-8"?>
+<p:sld xmlns:a="http://schemas.openxmlformats.org/drawingml/2006/main" xmlns:r="http://schemas.openxmlformats.org/officeDocument/2006/relationships" xmlns:p="http://schemas.openxmlformats.org/presentationml/2006/main">
+  <p:cSld>
+    <p:spTree>
+      <p:nvGrpSpPr>
+        <p:cNvPr id="1" name=""/>
+        <p:cNvGrpSpPr/>
+        <p:nvPr/>
+      </p:nvGrpSpPr>
+      <p:grpSpPr>
+        <a:xfrm>
+          <a:off x="0" y="0"/>
+          <a:ext cx="0" cy="0"/>
+          <a:chOff x="0" y="0"/>
+          <a:chExt cx="0" cy="0"/>
+        </a:xfrm>
+      </p:grpSpPr>
+      <p:sp>
+        <p:nvSpPr>
+          <p:cNvPr id="2" name="Title 1"/>
+          <p:cNvSpPr>
+            <a:spLocks noGrp="1"/>
+          </p:cNvSpPr>
+          <p:nvPr>
+            <p:ph type="title"/>
+          </p:nvPr>
+        </p:nvSpPr>
+        <p:spPr/>
+        <p:txBody>
+          <a:bodyPr>
+            <a:normAutofit/>
+          </a:bodyPr>
+          <a:lstStyle/>
+          <a:p>
+            <a:pPr algn="l"/>
+            <a:r>
+              <a:rPr lang="en-US" b="1" dirty="0" smtClean="0">
+                <a:solidFill>
+                  <a:schemeClr val="bg1"/>
+                </a:solidFill>
+                <a:latin typeface="Tw Cen MT" pitchFamily="34" charset="0"/>
+              </a:rPr>
+              <a:t>APPLICATION CONCEPT</a:t>
+            </a:r>
+            <a:endParaRPr lang="en-US" b="1" dirty="0">
+              <a:solidFill>
+                <a:schemeClr val="bg1"/>
+              </a:solidFill>
+              <a:latin typeface="Tw Cen MT" pitchFamily="34" charset="0"/>
+            </a:endParaRPr>
+          </a:p>
+        </p:txBody>
+      </p:sp>
+      <p:sp>
+        <p:nvSpPr>
+          <p:cNvPr id="3" name="Content Placeholder 2"/>
+          <p:cNvSpPr>
+            <a:spLocks noGrp="1"/>
+          </p:cNvSpPr>
+          <p:nvPr>
+            <p:ph idx="1"/>
+          </p:nvPr>
+        </p:nvSpPr>
+        <p:spPr>
+          <a:xfrm>
+            <a:off x="457200" y="1905000"/>
+            <a:ext cx="8229600" cy="4221163"/>
+          </a:xfrm>
+        </p:spPr>
+        <p:txBody>
+          <a:bodyPr>
+            <a:normAutofit/>
+          </a:bodyPr>
+          <a:lstStyle/>
+          <a:p>
+            <a:r>
+              <a:rPr lang="en-US" sz="3600" dirty="0" smtClean="0">
+                <a:solidFill>
+                  <a:schemeClr val="bg1"/>
+                </a:solidFill>
+                <a:latin typeface="Tw Cen MT" pitchFamily="34" charset="0"/>
+              </a:rPr>
+              <a:t>Karaoke… for short attention spans</a:t>
+            </a:r>
+          </a:p>
+          <a:p>
+            <a:r>
+              <a:rPr lang="en-US" sz="3600" dirty="0" smtClean="0">
+                <a:solidFill>
+                  <a:schemeClr val="bg1"/>
+                </a:solidFill>
+                <a:latin typeface="Tw Cen MT" pitchFamily="34" charset="0"/>
+              </a:rPr>
+              <a:t>Increased entertainment value (watching)</a:t>
+            </a:r>
+          </a:p>
+          <a:p>
+            <a:r>
+              <a:rPr lang="en-US" sz="3600" dirty="0" smtClean="0">
+                <a:solidFill>
+                  <a:schemeClr val="bg1"/>
+                </a:solidFill>
+                <a:latin typeface="Tw Cen MT" pitchFamily="34" charset="0"/>
+              </a:rPr>
+              <a:t>Incorporates live social media feed</a:t>
+            </a:r>
+          </a:p>
+          <a:p>
+            <a:r>
+              <a:rPr lang="en-US" sz="3600" dirty="0" smtClean="0">
+                <a:solidFill>
+                  <a:schemeClr val="bg1"/>
+                </a:solidFill>
+                <a:latin typeface="Tw Cen MT" pitchFamily="34" charset="0"/>
+              </a:rPr>
+              <a:t>Allows anon live voting</a:t>
+            </a:r>
+          </a:p>
+          <a:p>
+            <a:endParaRPr lang="en-US" sz="3600" dirty="0" smtClean="0">
+              <a:solidFill>
+                <a:schemeClr val="bg1"/>
+              </a:solidFill>
+              <a:latin typeface="Tw Cen MT" pitchFamily="34" charset="0"/>
+            </a:endParaRPr>
+          </a:p>
+          <a:p>
+            <a:endParaRPr lang="en-US" sz="3600" dirty="0" smtClean="0">
+              <a:solidFill>
+                <a:schemeClr val="bg1"/>
+              </a:solidFill>
+              <a:latin typeface="Tw Cen MT" pitchFamily="34" charset="0"/>
+            </a:endParaRPr>
+          </a:p>
+          <a:p>
+            <a:endParaRPr lang="en-US" sz="3600" dirty="0" smtClean="0">
+              <a:solidFill>
+                <a:schemeClr val="bg1"/>
+              </a:solidFill>
+              <a:latin typeface="Tw Cen MT" pitchFamily="34" charset="0"/>
+            </a:endParaRPr>
+          </a:p>
+          <a:p>
+            <a:endParaRPr lang="en-US" dirty="0" smtClean="0">
+              <a:solidFill>
+                <a:schemeClr val="bg1"/>
+              </a:solidFill>
+              <a:latin typeface="Tw Cen MT" pitchFamily="34" charset="0"/>
+            </a:endParaRPr>
+          </a:p>
+          <a:p>
+            <a:endParaRPr lang="en-US" dirty="0">
+              <a:solidFill>
+                <a:schemeClr val="bg1"/>
+              </a:solidFill>
+              <a:latin typeface="Tw Cen MT" pitchFamily="34" charset="0"/>
+            </a:endParaRPr>
+          </a:p>
+        </p:txBody>
+      </p:sp>
+      <p:pic>
+        <p:nvPicPr>
+          <p:cNvPr id="5" name="Picture 4" descr="logo-v2.png"/>
+          <p:cNvPicPr>
+            <a:picLocks noChangeAspect="1"/>
+          </p:cNvPicPr>
+          <p:nvPr/>
+        </p:nvPicPr>
+        <p:blipFill>
+          <a:blip r:embed="rId3" cstate="print"/>
+          <a:stretch>
+            <a:fillRect/>
+          </a:stretch>
+        </p:blipFill>
+        <p:spPr>
+          <a:xfrm>
+            <a:off x="7543800" y="6019800"/>
+            <a:ext cx="1333500" cy="568071"/>
+          </a:xfrm>
+          <a:prstGeom prst="rect">
+            <a:avLst/>
+          </a:prstGeom>
+        </p:spPr>
+      </p:pic>
+    </p:spTree>
+  </p:cSld>
+  <p:clrMapOvr>
+    <a:masterClrMapping/>
+  </p:clrMapOvr>
+  <p:timing>
+    <p:tnLst>
+      <p:par>
+        <p:cTn id="1" dur="indefinite" restart="never" nodeType="tmRoot"/>
+      </p:par>
+    </p:tnLst>
+  </p:timing>
+</p:sld>
+</file>
+
+<file path=ppt/slides/slide4.xml><?xml version="1.0" encoding="utf-8"?>
+<p:sld xmlns:a="http://schemas.openxmlformats.org/drawingml/2006/main" xmlns:r="http://schemas.openxmlformats.org/officeDocument/2006/relationships" xmlns:p="http://schemas.openxmlformats.org/presentationml/2006/main">
+  <p:cSld>
+    <p:spTree>
+      <p:nvGrpSpPr>
+        <p:cNvPr id="1" name=""/>
+        <p:cNvGrpSpPr/>
+        <p:nvPr/>
+      </p:nvGrpSpPr>
+      <p:grpSpPr>
+        <a:xfrm>
+          <a:off x="0" y="0"/>
+          <a:ext cx="0" cy="0"/>
+          <a:chOff x="0" y="0"/>
+          <a:chExt cx="0" cy="0"/>
+        </a:xfrm>
+      </p:grpSpPr>
+      <p:sp>
+        <p:nvSpPr>
+          <p:cNvPr id="2" name="Title 1"/>
+          <p:cNvSpPr>
+            <a:spLocks noGrp="1"/>
+          </p:cNvSpPr>
+          <p:nvPr>
+            <p:ph type="title"/>
+          </p:nvPr>
+        </p:nvSpPr>
+        <p:spPr/>
+        <p:txBody>
+          <a:bodyPr>
+            <a:normAutofit/>
+          </a:bodyPr>
+          <a:lstStyle/>
+          <a:p>
+            <a:pPr algn="l"/>
+            <a:r>
+              <a:rPr lang="en-US" b="1" dirty="0" smtClean="0">
+                <a:solidFill>
+                  <a:schemeClr val="bg1"/>
+                </a:solidFill>
+                <a:latin typeface="Tw Cen MT" pitchFamily="34" charset="0"/>
+              </a:rPr>
+              <a:t>APPLICATION CONCEPT</a:t>
+            </a:r>
+            <a:endParaRPr lang="en-US" b="1" dirty="0">
+              <a:solidFill>
+                <a:schemeClr val="bg1"/>
+              </a:solidFill>
+              <a:latin typeface="Tw Cen MT" pitchFamily="34" charset="0"/>
+            </a:endParaRPr>
+          </a:p>
+        </p:txBody>
+      </p:sp>
+      <p:sp>
+        <p:nvSpPr>
+          <p:cNvPr id="3" name="Content Placeholder 2"/>
+          <p:cNvSpPr>
+            <a:spLocks noGrp="1"/>
+          </p:cNvSpPr>
+          <p:nvPr>
+            <p:ph idx="1"/>
+          </p:nvPr>
+        </p:nvSpPr>
+        <p:spPr>
+          <a:xfrm>
+            <a:off x="457200" y="1905000"/>
+            <a:ext cx="8229600" cy="4221163"/>
+          </a:xfrm>
+        </p:spPr>
+        <p:txBody>
+          <a:bodyPr>
+            <a:normAutofit/>
+          </a:bodyPr>
+          <a:lstStyle/>
+          <a:p>
+            <a:endParaRPr lang="en-US" sz="3600" dirty="0" smtClean="0">
+              <a:solidFill>
+                <a:schemeClr val="bg1"/>
+              </a:solidFill>
+              <a:latin typeface="Tw Cen MT" pitchFamily="34" charset="0"/>
+            </a:endParaRPr>
+          </a:p>
+          <a:p>
+            <a:endParaRPr lang="en-US" sz="3600" dirty="0" smtClean="0">
+              <a:solidFill>
+                <a:schemeClr val="bg1"/>
+              </a:solidFill>
+              <a:latin typeface="Tw Cen MT" pitchFamily="34" charset="0"/>
+            </a:endParaRPr>
+          </a:p>
+          <a:p>
+            <a:endParaRPr lang="en-US" sz="3600" dirty="0" smtClean="0">
+              <a:solidFill>
+                <a:schemeClr val="bg1"/>
+              </a:solidFill>
+              <a:latin typeface="Tw Cen MT" pitchFamily="34" charset="0"/>
+            </a:endParaRPr>
+          </a:p>
+          <a:p>
+            <a:endParaRPr lang="en-US" dirty="0" smtClean="0">
+              <a:solidFill>
+                <a:schemeClr val="bg1"/>
+              </a:solidFill>
+              <a:latin typeface="Tw Cen MT" pitchFamily="34" charset="0"/>
+            </a:endParaRPr>
+          </a:p>
+          <a:p>
+            <a:endParaRPr lang="en-US" dirty="0">
+              <a:solidFill>
+                <a:schemeClr val="bg1"/>
+              </a:solidFill>
+              <a:latin typeface="Tw Cen MT" pitchFamily="34" charset="0"/>
+            </a:endParaRPr>
+          </a:p>
+        </p:txBody>
+      </p:sp>
+      <p:pic>
+        <p:nvPicPr>
+          <p:cNvPr id="5" name="Picture 4" descr="logo-v2.png"/>
+          <p:cNvPicPr>
+            <a:picLocks noChangeAspect="1"/>
+          </p:cNvPicPr>
+          <p:nvPr/>
+        </p:nvPicPr>
+        <p:blipFill>
+          <a:blip r:embed="rId3" cstate="print"/>
+          <a:stretch>
+            <a:fillRect/>
+          </a:stretch>
+        </p:blipFill>
+        <p:spPr>
+          <a:xfrm>
+            <a:off x="7543800" y="6019800"/>
+            <a:ext cx="1333500" cy="568071"/>
+          </a:xfrm>
+          <a:prstGeom prst="rect">
+            <a:avLst/>
+          </a:prstGeom>
+        </p:spPr>
+      </p:pic>
+      <p:pic>
+        <p:nvPicPr>
+          <p:cNvPr id="6" name="Picture 5" descr="1c.jpg"/>
+          <p:cNvPicPr>
+            <a:picLocks noChangeAspect="1"/>
+          </p:cNvPicPr>
+          <p:nvPr/>
+        </p:nvPicPr>
+        <p:blipFill>
+          <a:blip r:embed="rId4" cstate="print"/>
+          <a:stretch>
+            <a:fillRect/>
+          </a:stretch>
+        </p:blipFill>
+        <p:spPr>
+          <a:xfrm>
+            <a:off x="762000" y="1524000"/>
+            <a:ext cx="5715000" cy="1077232"/>
+          </a:xfrm>
+          <a:prstGeom prst="rect">
+            <a:avLst/>
+          </a:prstGeom>
+        </p:spPr>
+      </p:pic>
+      <p:grpSp>
+        <p:nvGrpSpPr>
+          <p:cNvPr id="10" name="Group 9"/>
+          <p:cNvGrpSpPr/>
+          <p:nvPr/>
+        </p:nvGrpSpPr>
+        <p:grpSpPr>
+          <a:xfrm>
+            <a:off x="1676400" y="2209800"/>
+            <a:ext cx="4706995" cy="3352800"/>
+            <a:chOff x="1676400" y="2209800"/>
+            <a:chExt cx="4706995" cy="3352800"/>
+          </a:xfrm>
+        </p:grpSpPr>
+        <p:pic>
+          <p:nvPicPr>
+            <p:cNvPr id="8" name="Picture 7" descr="twitter.jpg"/>
+            <p:cNvPicPr>
+              <a:picLocks noChangeAspect="1"/>
+            </p:cNvPicPr>
+            <p:nvPr/>
+          </p:nvPicPr>
+          <p:blipFill>
+            <a:blip r:embed="rId5" cstate="print"/>
+            <a:stretch>
+              <a:fillRect/>
+            </a:stretch>
+          </p:blipFill>
+          <p:spPr>
+            <a:xfrm>
+              <a:off x="1676400" y="2209800"/>
+              <a:ext cx="4706995" cy="3352800"/>
+            </a:xfrm>
+            <a:prstGeom prst="rect">
+              <a:avLst/>
+            </a:prstGeom>
+          </p:spPr>
+        </p:pic>
+        <p:pic>
+          <p:nvPicPr>
+            <p:cNvPr id="7" name="Picture 6" descr="459.gif"/>
+            <p:cNvPicPr>
+              <a:picLocks noChangeAspect="1"/>
+            </p:cNvPicPr>
+            <p:nvPr/>
+          </p:nvPicPr>
+          <p:blipFill>
+            <a:blip r:embed="rId6" cstate="print"/>
+            <a:stretch>
+              <a:fillRect/>
+            </a:stretch>
+          </p:blipFill>
+          <p:spPr>
+            <a:xfrm>
+              <a:off x="2057400" y="3048000"/>
+              <a:ext cx="1371600" cy="1737360"/>
+            </a:xfrm>
+            <a:prstGeom prst="rect">
+              <a:avLst/>
+            </a:prstGeom>
+          </p:spPr>
+        </p:pic>
+      </p:grpSp>
+      <p:pic>
+        <p:nvPicPr>
+          <p:cNvPr id="9" name="Picture 8" descr="emoji.jpg"/>
+          <p:cNvPicPr>
+            <a:picLocks noChangeAspect="1"/>
+          </p:cNvPicPr>
+          <p:nvPr/>
+        </p:nvPicPr>
+        <p:blipFill>
+          <a:blip r:embed="rId7" cstate="print"/>
+          <a:stretch>
+            <a:fillRect/>
+          </a:stretch>
+        </p:blipFill>
+        <p:spPr>
+          <a:xfrm>
+            <a:off x="838200" y="4191000"/>
+            <a:ext cx="7924800" cy="1562100"/>
+          </a:xfrm>
+          <a:prstGeom prst="rect">
+            <a:avLst/>
+          </a:prstGeom>
+        </p:spPr>
+      </p:pic>
+    </p:spTree>
+  </p:cSld>
+  <p:clrMapOvr>
+    <a:masterClrMapping/>
+  </p:clrMapOvr>
+  <p:transition/>
+  <p:timing>
+    <p:tnLst>
+      <p:par>
+        <p:cTn id="1" dur="indefinite" restart="never" nodeType="tmRoot">
+          <p:childTnLst>
+            <p:seq concurrent="1" nextAc="seek">
+              <p:cTn id="2" dur="indefinite" nodeType="mainSeq">
+                <p:childTnLst>
+                  <p:par>
+                    <p:cTn id="3" fill="hold">
+                      <p:stCondLst>
+                        <p:cond delay="indefinite"/>
+                      </p:stCondLst>
+                      <p:childTnLst>
+                        <p:par>
+                          <p:cTn id="4" fill="hold">
+                            <p:stCondLst>
+                              <p:cond delay="0"/>
+                            </p:stCondLst>
+                            <p:childTnLst>
+                              <p:par>
+                                <p:cTn id="5" presetID="3" presetClass="entr" presetSubtype="10" fill="hold" nodeType="clickEffect">
+                                  <p:stCondLst>
+                                    <p:cond delay="0"/>
+                                  </p:stCondLst>
+                                  <p:childTnLst>
+                                    <p:set>
+                                      <p:cBhvr>
+                                        <p:cTn id="6" dur="1" fill="hold">
+                                          <p:stCondLst>
+                                            <p:cond delay="0"/>
+                                          </p:stCondLst>
+                                        </p:cTn>
+                                        <p:tgtEl>
+                                          <p:spTgt spid="6"/>
+                                        </p:tgtEl>
+                                        <p:attrNameLst>
+                                          <p:attrName>style.visibility</p:attrName>
+                                        </p:attrNameLst>
+                                      </p:cBhvr>
+                                      <p:to>
+                                        <p:strVal val="visible"/>
+                                      </p:to>
+                                    </p:set>
+                                    <p:animEffect transition="in" filter="blinds(horizontal)">
+                                      <p:cBhvr>
+                                        <p:cTn id="7" dur="500"/>
+                                        <p:tgtEl>
+                                          <p:spTgt spid="6"/>
+                                        </p:tgtEl>
+                                      </p:cBhvr>
+                                    </p:animEffect>
+                                  </p:childTnLst>
+                                </p:cTn>
+                              </p:par>
+                            </p:childTnLst>
+                          </p:cTn>
+                        </p:par>
+                      </p:childTnLst>
+                    </p:cTn>
+                  </p:par>
+                  <p:par>
+                    <p:cTn id="8" fill="hold">
+                      <p:stCondLst>
+                        <p:cond delay="indefinite"/>
+                      </p:stCondLst>
+                      <p:childTnLst>
+                        <p:par>
+                          <p:cTn id="9" fill="hold">
+                            <p:stCondLst>
+                              <p:cond delay="0"/>
+                            </p:stCondLst>
+                            <p:childTnLst>
+                              <p:par>
+                                <p:cTn id="10" presetID="3" presetClass="entr" presetSubtype="10" fill="hold" nodeType="clickEffect">
+                                  <p:stCondLst>
+                                    <p:cond delay="0"/>
+                                  </p:stCondLst>
+                                  <p:childTnLst>
+                                    <p:set>
+                                      <p:cBhvr>
+                                        <p:cTn id="11" dur="1" fill="hold">
+                                          <p:stCondLst>
+                                            <p:cond delay="0"/>
+                                          </p:stCondLst>
+                                        </p:cTn>
+                                        <p:tgtEl>
+                                          <p:spTgt spid="10"/>
+                                        </p:tgtEl>
+                                        <p:attrNameLst>
+                                          <p:attrName>style.visibility</p:attrName>
+                                        </p:attrNameLst>
+                                      </p:cBhvr>
+                                      <p:to>
+                                        <p:strVal val="visible"/>
+                                      </p:to>
+                                    </p:set>
+                                    <p:animEffect transition="in" filter="blinds(horizontal)">
+                                      <p:cBhvr>
+                                        <p:cTn id="12" dur="500"/>
+                                        <p:tgtEl>
+                                          <p:spTgt spid="10"/>
+                                        </p:tgtEl>
+                                      </p:cBhvr>
+                                    </p:animEffect>
+                                  </p:childTnLst>
+                                </p:cTn>
+                              </p:par>
+                            </p:childTnLst>
+                          </p:cTn>
+                        </p:par>
+                      </p:childTnLst>
+                    </p:cTn>
+                  </p:par>
+                  <p:par>
+                    <p:cTn id="13" fill="hold">
+                      <p:stCondLst>
+                        <p:cond delay="indefinite"/>
+                      </p:stCondLst>
+                      <p:childTnLst>
+                        <p:par>
+                          <p:cTn id="14" fill="hold">
+                            <p:stCondLst>
+                              <p:cond delay="0"/>
+                            </p:stCondLst>
+                            <p:childTnLst>
+                              <p:par>
+                                <p:cTn id="15" presetID="3" presetClass="entr" presetSubtype="10" fill="hold" nodeType="clickEffect">
+                                  <p:stCondLst>
+                                    <p:cond delay="0"/>
+                                  </p:stCondLst>
+                                  <p:childTnLst>
+                                    <p:set>
+                                      <p:cBhvr>
+                                        <p:cTn id="16" dur="1" fill="hold">
+                                          <p:stCondLst>
+                                            <p:cond delay="0"/>
+                                          </p:stCondLst>
+                                        </p:cTn>
+                                        <p:tgtEl>
+                                          <p:spTgt spid="9"/>
+                                        </p:tgtEl>
+                                        <p:attrNameLst>
+                                          <p:attrName>style.visibility</p:attrName>
+                                        </p:attrNameLst>
+                                      </p:cBhvr>
+                                      <p:to>
+                                        <p:strVal val="visible"/>
+                                      </p:to>
+                                    </p:set>
+                                    <p:animEffect transition="in" filter="blinds(horizontal)">
+                                      <p:cBhvr>
+                                        <p:cTn id="17" dur="500"/>
+                                        <p:tgtEl>
+                                          <p:spTgt spid="9"/>
+                                        </p:tgtEl>
+                                      </p:cBhvr>
+                                    </p:animEffect>
+                                  </p:childTnLst>
+                                </p:cTn>
+                              </p:par>
+                            </p:childTnLst>
+                          </p:cTn>
+                        </p:par>
+                      </p:childTnLst>
+                    </p:cTn>
+                  </p:par>
+                </p:childTnLst>
+              </p:cTn>
+              <p:prevCondLst>
+                <p:cond evt="onPrev" delay="0">
+                  <p:tgtEl>
+                    <p:sldTgt/>
+                  </p:tgtEl>
+                </p:cond>
+              </p:prevCondLst>
+              <p:nextCondLst>
+                <p:cond evt="onNext" delay="0">
+                  <p:tgtEl>
+                    <p:sldTgt/>
+                  </p:tgtEl>
+                </p:cond>
+              </p:nextCondLst>
+            </p:seq>
+          </p:childTnLst>
+        </p:cTn>
+      </p:par>
+    </p:tnLst>
+  </p:timing>
+</p:sld>
+</file>
+
+<file path=ppt/slides/slide5.xml><?xml version="1.0" encoding="utf-8"?>
+<p:sld xmlns:a="http://schemas.openxmlformats.org/drawingml/2006/main" xmlns:r="http://schemas.openxmlformats.org/officeDocument/2006/relationships" xmlns:p="http://schemas.openxmlformats.org/presentationml/2006/main">
+  <p:cSld>
+    <p:spTree>
+      <p:nvGrpSpPr>
+        <p:cNvPr id="1" name=""/>
+        <p:cNvGrpSpPr/>
+        <p:nvPr/>
+      </p:nvGrpSpPr>
+      <p:grpSpPr>
+        <a:xfrm>
+          <a:off x="0" y="0"/>
+          <a:ext cx="0" cy="0"/>
+          <a:chOff x="0" y="0"/>
+          <a:chExt cx="0" cy="0"/>
+        </a:xfrm>
+      </p:grpSpPr>
+      <p:sp>
+        <p:nvSpPr>
+          <p:cNvPr id="2" name="Title 1"/>
+          <p:cNvSpPr>
+            <a:spLocks noGrp="1"/>
+          </p:cNvSpPr>
+          <p:nvPr>
+            <p:ph type="title"/>
+          </p:nvPr>
+        </p:nvSpPr>
+        <p:spPr/>
+        <p:txBody>
+          <a:bodyPr>
+            <a:normAutofit/>
+          </a:bodyPr>
+          <a:lstStyle/>
+          <a:p>
+            <a:pPr algn="l"/>
+            <a:r>
+              <a:rPr lang="en-US" sz="3600" b="1" dirty="0" smtClean="0">
+                <a:solidFill>
+                  <a:schemeClr val="bg1"/>
+                </a:solidFill>
+                <a:latin typeface="Tw Cen MT" pitchFamily="34" charset="0"/>
+              </a:rPr>
+              <a:t>DEVELOPMENT MOTIVATION</a:t>
+            </a:r>
+            <a:endParaRPr lang="en-US" sz="3600" b="1" dirty="0">
+              <a:solidFill>
+                <a:schemeClr val="bg1"/>
+              </a:solidFill>
+              <a:latin typeface="Tw Cen MT" pitchFamily="34" charset="0"/>
+            </a:endParaRPr>
+          </a:p>
+        </p:txBody>
+      </p:sp>
+      <p:sp>
+        <p:nvSpPr>
+          <p:cNvPr id="3" name="Content Placeholder 2"/>
+          <p:cNvSpPr>
+            <a:spLocks noGrp="1"/>
+          </p:cNvSpPr>
+          <p:nvPr>
+            <p:ph idx="1"/>
+          </p:nvPr>
+        </p:nvSpPr>
+        <p:spPr>
+          <a:xfrm>
+            <a:off x="457200" y="1905000"/>
+            <a:ext cx="8229600" cy="4221163"/>
+          </a:xfrm>
+        </p:spPr>
+        <p:txBody>
+          <a:bodyPr/>
+          <a:lstStyle/>
+          <a:p>
+            <a:r>
+              <a:rPr lang="en-US" dirty="0" smtClean="0">
+                <a:solidFill>
+                  <a:schemeClr val="bg1"/>
+                </a:solidFill>
+                <a:latin typeface="Tw Cen MT" pitchFamily="34" charset="0"/>
+              </a:rPr>
+              <a:t>YouTube API…</a:t>
+            </a:r>
+          </a:p>
+          <a:p>
+            <a:endParaRPr lang="en-US" dirty="0" smtClean="0">
+              <a:solidFill>
+                <a:schemeClr val="bg1"/>
+              </a:solidFill>
+              <a:latin typeface="Tw Cen MT" pitchFamily="34" charset="0"/>
+            </a:endParaRPr>
+          </a:p>
+          <a:p>
+            <a:endParaRPr lang="en-US" dirty="0" smtClean="0">
+              <a:solidFill>
+                <a:schemeClr val="bg1"/>
+              </a:solidFill>
+              <a:latin typeface="Tw Cen MT" pitchFamily="34" charset="0"/>
+            </a:endParaRPr>
+          </a:p>
+          <a:p>
+            <a:endParaRPr lang="en-US" dirty="0" smtClean="0">
+              <a:solidFill>
+                <a:schemeClr val="bg1"/>
+              </a:solidFill>
+              <a:latin typeface="Tw Cen MT" pitchFamily="34" charset="0"/>
+            </a:endParaRPr>
+          </a:p>
+          <a:p>
+            <a:endParaRPr lang="en-US" dirty="0" smtClean="0">
+              <a:solidFill>
+                <a:schemeClr val="bg1"/>
+              </a:solidFill>
+              <a:latin typeface="Tw Cen MT" pitchFamily="34" charset="0"/>
+            </a:endParaRPr>
+          </a:p>
+          <a:p>
+            <a:endParaRPr lang="en-US" dirty="0" smtClean="0">
+              <a:solidFill>
+                <a:schemeClr val="bg1"/>
+              </a:solidFill>
+              <a:latin typeface="Tw Cen MT" pitchFamily="34" charset="0"/>
+            </a:endParaRPr>
+          </a:p>
+          <a:p>
+            <a:r>
+              <a:rPr lang="en-US" dirty="0" smtClean="0">
+                <a:solidFill>
+                  <a:schemeClr val="bg1"/>
+                </a:solidFill>
+                <a:latin typeface="Tw Cen MT" pitchFamily="34" charset="0"/>
+              </a:rPr>
+              <a:t>Twitter Live Tweets </a:t>
+            </a:r>
+            <a:endParaRPr lang="en-US" dirty="0">
+              <a:solidFill>
+                <a:schemeClr val="bg1"/>
+              </a:solidFill>
+              <a:latin typeface="Tw Cen MT" pitchFamily="34" charset="0"/>
+            </a:endParaRPr>
+          </a:p>
+        </p:txBody>
+      </p:sp>
+      <p:pic>
+        <p:nvPicPr>
+          <p:cNvPr id="5" name="Picture 4" descr="logo-v2.png"/>
+          <p:cNvPicPr>
+            <a:picLocks noChangeAspect="1"/>
+          </p:cNvPicPr>
+          <p:nvPr/>
+        </p:nvPicPr>
+        <p:blipFill>
+          <a:blip r:embed="rId3" cstate="print"/>
+          <a:stretch>
+            <a:fillRect/>
+          </a:stretch>
+        </p:blipFill>
+        <p:spPr>
+          <a:xfrm>
+            <a:off x="7543800" y="6019800"/>
+            <a:ext cx="1333500" cy="568071"/>
+          </a:xfrm>
+          <a:prstGeom prst="rect">
+            <a:avLst/>
+          </a:prstGeom>
+        </p:spPr>
+      </p:pic>
+      <p:pic>
+        <p:nvPicPr>
+          <p:cNvPr id="6" name="Picture 5" descr="RZH5.gif"/>
+          <p:cNvPicPr>
+            <a:picLocks noChangeAspect="1"/>
+          </p:cNvPicPr>
+          <p:nvPr/>
+        </p:nvPicPr>
+        <p:blipFill>
+          <a:blip r:embed="rId4" cstate="print"/>
+          <a:stretch>
+            <a:fillRect/>
+          </a:stretch>
+        </p:blipFill>
+        <p:spPr>
+          <a:xfrm>
+            <a:off x="914400" y="2743200"/>
+            <a:ext cx="3810000" cy="2141220"/>
+          </a:xfrm>
+          <a:prstGeom prst="rect">
+            <a:avLst/>
+          </a:prstGeom>
+        </p:spPr>
+      </p:pic>
+    </p:spTree>
+  </p:cSld>
+  <p:clrMapOvr>
+    <a:masterClrMapping/>
+  </p:clrMapOvr>
+  <p:timing>
+    <p:tnLst>
+      <p:par>
+        <p:cTn id="1" dur="indefinite" restart="never" nodeType="tmRoot"/>
+      </p:par>
+    </p:tnLst>
+  </p:timing>
+</p:sld>
+</file>
+
+<file path=ppt/slides/slide6.xml><?xml version="1.0" encoding="utf-8"?>
+<p:sld xmlns:a="http://schemas.openxmlformats.org/drawingml/2006/main" xmlns:r="http://schemas.openxmlformats.org/officeDocument/2006/relationships" xmlns:p="http://schemas.openxmlformats.org/presentationml/2006/main">
+  <p:cSld>
+    <p:spTree>
+      <p:nvGrpSpPr>
+        <p:cNvPr id="1" name=""/>
+        <p:cNvGrpSpPr/>
+        <p:nvPr/>
+      </p:nvGrpSpPr>
+      <p:grpSpPr>
+        <a:xfrm>
+          <a:off x="0" y="0"/>
+          <a:ext cx="0" cy="0"/>
+          <a:chOff x="0" y="0"/>
+          <a:chExt cx="0" cy="0"/>
+        </a:xfrm>
+      </p:grpSpPr>
+      <p:sp>
+        <p:nvSpPr>
+          <p:cNvPr id="2" name="Title 1"/>
+          <p:cNvSpPr>
+            <a:spLocks noGrp="1"/>
+          </p:cNvSpPr>
+          <p:nvPr>
+            <p:ph type="title"/>
+          </p:nvPr>
+        </p:nvSpPr>
+        <p:spPr/>
+        <p:txBody>
+          <a:bodyPr>
+            <a:normAutofit/>
+          </a:bodyPr>
+          <a:lstStyle/>
+          <a:p>
+            <a:pPr algn="l"/>
+            <a:r>
+              <a:rPr lang="en-US" sz="3600" b="1" dirty="0" smtClean="0">
+                <a:solidFill>
+                  <a:schemeClr val="bg1"/>
+                </a:solidFill>
+                <a:latin typeface="Tw Cen MT" pitchFamily="34" charset="0"/>
+              </a:rPr>
+              <a:t>TECHNOLOGIES USED</a:t>
+            </a:r>
+            <a:endParaRPr lang="en-US" sz="3600" b="1" dirty="0">
+              <a:solidFill>
+                <a:schemeClr val="bg1"/>
+              </a:solidFill>
+              <a:latin typeface="Tw Cen MT" pitchFamily="34" charset="0"/>
+            </a:endParaRPr>
+          </a:p>
+        </p:txBody>
+      </p:sp>
+      <p:sp>
+        <p:nvSpPr>
+          <p:cNvPr id="3" name="Content Placeholder 2"/>
+          <p:cNvSpPr>
+            <a:spLocks noGrp="1"/>
+          </p:cNvSpPr>
+          <p:nvPr>
+            <p:ph idx="1"/>
+          </p:nvPr>
+        </p:nvSpPr>
+        <p:spPr>
+          <a:xfrm>
+            <a:off x="457200" y="1905000"/>
+            <a:ext cx="8229600" cy="4221163"/>
+          </a:xfrm>
+        </p:spPr>
+        <p:txBody>
+          <a:bodyPr/>
+          <a:lstStyle/>
+          <a:p>
+            <a:r>
+              <a:rPr lang="en-US" dirty="0" smtClean="0">
+                <a:solidFill>
+                  <a:schemeClr val="bg1"/>
+                </a:solidFill>
+                <a:latin typeface="Tw Cen MT" pitchFamily="34" charset="0"/>
+              </a:rPr>
+              <a:t>YouTube API</a:t>
+            </a:r>
+          </a:p>
+          <a:p>
+            <a:r>
+              <a:rPr lang="en-US" dirty="0" smtClean="0">
+                <a:solidFill>
+                  <a:schemeClr val="bg1"/>
+                </a:solidFill>
+                <a:latin typeface="Tw Cen MT" pitchFamily="34" charset="0"/>
+              </a:rPr>
+              <a:t>Twitter API</a:t>
+            </a:r>
+          </a:p>
+          <a:p>
+            <a:r>
+              <a:rPr lang="en-US" dirty="0" smtClean="0">
+                <a:solidFill>
+                  <a:schemeClr val="bg1"/>
+                </a:solidFill>
+                <a:latin typeface="Tw Cen MT" pitchFamily="34" charset="0"/>
+              </a:rPr>
+              <a:t>HTML/CSS/Bootstrap</a:t>
+            </a:r>
+          </a:p>
+          <a:p>
+            <a:r>
+              <a:rPr lang="en-US" dirty="0" smtClean="0">
+                <a:solidFill>
+                  <a:schemeClr val="bg1"/>
+                </a:solidFill>
+                <a:latin typeface="Tw Cen MT" pitchFamily="34" charset="0"/>
+              </a:rPr>
+              <a:t>Firebase (</a:t>
+            </a:r>
+            <a:r>
+              <a:rPr lang="en-US" dirty="0" err="1" smtClean="0">
+                <a:solidFill>
+                  <a:schemeClr val="bg1"/>
+                </a:solidFill>
+                <a:latin typeface="Tw Cen MT" pitchFamily="34" charset="0"/>
+              </a:rPr>
+              <a:t>emoji</a:t>
+            </a:r>
+            <a:r>
+              <a:rPr lang="en-US" dirty="0" smtClean="0">
+                <a:solidFill>
+                  <a:schemeClr val="bg1"/>
+                </a:solidFill>
+                <a:latin typeface="Tw Cen MT" pitchFamily="34" charset="0"/>
+              </a:rPr>
+              <a:t> voting)</a:t>
+            </a:r>
+          </a:p>
+          <a:p>
+            <a:endParaRPr lang="en-US" dirty="0">
+              <a:solidFill>
+                <a:schemeClr val="bg1"/>
+              </a:solidFill>
+              <a:latin typeface="Tw Cen MT" pitchFamily="34" charset="0"/>
+            </a:endParaRPr>
+          </a:p>
+        </p:txBody>
+      </p:sp>
+      <p:pic>
+        <p:nvPicPr>
+          <p:cNvPr id="5" name="Picture 4" descr="logo-v2.png"/>
+          <p:cNvPicPr>
+            <a:picLocks noChangeAspect="1"/>
+          </p:cNvPicPr>
+          <p:nvPr/>
+        </p:nvPicPr>
+        <p:blipFill>
+          <a:blip r:embed="rId3" cstate="print"/>
+          <a:stretch>
+            <a:fillRect/>
+          </a:stretch>
+        </p:blipFill>
+        <p:spPr>
+          <a:xfrm>
+            <a:off x="7543800" y="6019800"/>
+            <a:ext cx="1333500" cy="568071"/>
+          </a:xfrm>
+          <a:prstGeom prst="rect">
+            <a:avLst/>
+          </a:prstGeom>
+        </p:spPr>
+      </p:pic>
+    </p:spTree>
+  </p:cSld>
+  <p:clrMapOvr>
+    <a:masterClrMapping/>
+  </p:clrMapOvr>
+  <p:timing>
+    <p:tnLst>
+      <p:par>
+        <p:cTn id="1" dur="indefinite" restart="never" nodeType="tmRoot"/>
+      </p:par>
+    </p:tnLst>
+  </p:timing>
+</p:sld>
+</file>
+
+<file path=ppt/slides/slide7.xml><?xml version="1.0" encoding="utf-8"?>
+<p:sld xmlns:a="http://schemas.openxmlformats.org/drawingml/2006/main" xmlns:r="http://schemas.openxmlformats.org/officeDocument/2006/relationships" xmlns:p="http://schemas.openxmlformats.org/presentationml/2006/main">
+  <p:cSld>
+    <p:spTree>
+      <p:nvGrpSpPr>
+        <p:cNvPr id="1" name=""/>
+        <p:cNvGrpSpPr/>
+        <p:nvPr/>
+      </p:nvGrpSpPr>
+      <p:grpSpPr>
+        <a:xfrm>
+          <a:off x="0" y="0"/>
+          <a:ext cx="0" cy="0"/>
+          <a:chOff x="0" y="0"/>
+          <a:chExt cx="0" cy="0"/>
+        </a:xfrm>
+      </p:grpSpPr>
+      <p:sp>
+        <p:nvSpPr>
+          <p:cNvPr id="2" name="Title 1"/>
+          <p:cNvSpPr>
+            <a:spLocks noGrp="1"/>
+          </p:cNvSpPr>
+          <p:nvPr>
+            <p:ph type="title"/>
+          </p:nvPr>
+        </p:nvSpPr>
+        <p:spPr/>
+        <p:txBody>
+          <a:bodyPr>
+            <a:normAutofit/>
+          </a:bodyPr>
+          <a:lstStyle/>
+          <a:p>
+            <a:pPr algn="l"/>
+            <a:r>
+              <a:rPr lang="en-US" sz="3600" b="1" dirty="0" smtClean="0">
+                <a:solidFill>
+                  <a:schemeClr val="bg1"/>
+                </a:solidFill>
+                <a:latin typeface="Tw Cen MT" pitchFamily="34" charset="0"/>
+              </a:rPr>
+              <a:t>DESIGN PROCESS</a:t>
+            </a:r>
+            <a:endParaRPr lang="en-US" sz="3600" b="1" dirty="0">
+              <a:solidFill>
+                <a:schemeClr val="bg1"/>
+              </a:solidFill>
+              <a:latin typeface="Tw Cen MT" pitchFamily="34" charset="0"/>
+            </a:endParaRPr>
+          </a:p>
+        </p:txBody>
+      </p:sp>
+      <p:sp>
+        <p:nvSpPr>
+          <p:cNvPr id="3" name="Content Placeholder 2"/>
+          <p:cNvSpPr>
+            <a:spLocks noGrp="1"/>
+          </p:cNvSpPr>
+          <p:nvPr>
+            <p:ph idx="1"/>
+          </p:nvPr>
+        </p:nvSpPr>
+        <p:spPr>
+          <a:xfrm>
+            <a:off x="457200" y="1905000"/>
+            <a:ext cx="8229600" cy="4221163"/>
+          </a:xfrm>
+        </p:spPr>
+        <p:txBody>
+          <a:bodyPr/>
+          <a:lstStyle/>
+          <a:p>
+            <a:r>
+              <a:rPr lang="en-US" dirty="0" smtClean="0">
+                <a:solidFill>
+                  <a:schemeClr val="bg1"/>
+                </a:solidFill>
+                <a:latin typeface="Tw Cen MT" pitchFamily="34" charset="0"/>
+              </a:rPr>
+              <a:t>Roulette – Vegas Feel</a:t>
+            </a:r>
+          </a:p>
+          <a:p>
+            <a:pPr lvl="1"/>
+            <a:r>
+              <a:rPr lang="en-US" sz="3200" dirty="0" smtClean="0">
+                <a:solidFill>
+                  <a:schemeClr val="bg1"/>
+                </a:solidFill>
+                <a:latin typeface="Tw Cen MT" pitchFamily="34" charset="0"/>
+              </a:rPr>
+              <a:t>Nightlife</a:t>
+            </a:r>
+          </a:p>
+          <a:p>
+            <a:pPr lvl="1"/>
+            <a:r>
+              <a:rPr lang="en-US" sz="3200" dirty="0" smtClean="0">
+                <a:solidFill>
+                  <a:schemeClr val="bg1"/>
+                </a:solidFill>
+                <a:latin typeface="Tw Cen MT" pitchFamily="34" charset="0"/>
+              </a:rPr>
+              <a:t>Low lighting</a:t>
+            </a:r>
+          </a:p>
+          <a:p>
+            <a:pPr lvl="1"/>
+            <a:r>
+              <a:rPr lang="en-US" sz="3200" dirty="0" smtClean="0">
+                <a:solidFill>
+                  <a:schemeClr val="bg1"/>
+                </a:solidFill>
+                <a:latin typeface="Tw Cen MT" pitchFamily="34" charset="0"/>
+              </a:rPr>
+              <a:t>Modern</a:t>
+            </a:r>
+          </a:p>
+          <a:p>
+            <a:endParaRPr lang="en-US" dirty="0">
+              <a:solidFill>
+                <a:schemeClr val="bg1"/>
+              </a:solidFill>
+              <a:latin typeface="Tw Cen MT" pitchFamily="34" charset="0"/>
+            </a:endParaRPr>
+          </a:p>
+        </p:txBody>
+      </p:sp>
+      <p:pic>
+        <p:nvPicPr>
+          <p:cNvPr id="5" name="Picture 4" descr="logo-v2.png"/>
+          <p:cNvPicPr>
+            <a:picLocks noChangeAspect="1"/>
+          </p:cNvPicPr>
+          <p:nvPr/>
+        </p:nvPicPr>
+        <p:blipFill>
+          <a:blip r:embed="rId2" cstate="print"/>
+          <a:stretch>
+            <a:fillRect/>
+          </a:stretch>
+        </p:blipFill>
+        <p:spPr>
+          <a:xfrm>
+            <a:off x="7543800" y="6019800"/>
+            <a:ext cx="1333500" cy="568071"/>
+          </a:xfrm>
+          <a:prstGeom prst="rect">
+            <a:avLst/>
+          </a:prstGeom>
+        </p:spPr>
+      </p:pic>
+    </p:spTree>
+  </p:cSld>
+  <p:clrMapOvr>
+    <a:masterClrMapping/>
+  </p:clrMapOvr>
+  <p:timing>
+    <p:tnLst>
+      <p:par>
+        <p:cTn id="1" dur="indefinite" restart="never" nodeType="tmRoot"/>
+      </p:par>
+    </p:tnLst>
+  </p:timing>
+</p:sld>
+</file>
+
+<file path=ppt/slides/slide8.xml><?xml version="1.0" encoding="utf-8"?>
+<p:sld xmlns:a="http://schemas.openxmlformats.org/drawingml/2006/main" xmlns:r="http://schemas.openxmlformats.org/officeDocument/2006/relationships" xmlns:p="http://schemas.openxmlformats.org/presentationml/2006/main">
+  <p:cSld>
+    <p:spTree>
+      <p:nvGrpSpPr>
+        <p:cNvPr id="1" name=""/>
+        <p:cNvGrpSpPr/>
+        <p:nvPr/>
+      </p:nvGrpSpPr>
+      <p:grpSpPr>
+        <a:xfrm>
+          <a:off x="0" y="0"/>
+          <a:ext cx="0" cy="0"/>
+          <a:chOff x="0" y="0"/>
+          <a:chExt cx="0" cy="0"/>
+        </a:xfrm>
+      </p:grpSpPr>
+      <p:sp>
+        <p:nvSpPr>
+          <p:cNvPr id="2" name="Title 1"/>
+          <p:cNvSpPr>
+            <a:spLocks noGrp="1"/>
+          </p:cNvSpPr>
+          <p:nvPr>
+            <p:ph type="title"/>
+          </p:nvPr>
+        </p:nvSpPr>
+        <p:spPr/>
+        <p:txBody>
+          <a:bodyPr>
+            <a:normAutofit/>
+          </a:bodyPr>
+          <a:lstStyle/>
+          <a:p>
+            <a:pPr algn="l"/>
+            <a:r>
+              <a:rPr lang="en-US" sz="3600" b="1" dirty="0" smtClean="0">
+                <a:solidFill>
+                  <a:schemeClr val="bg1"/>
+                </a:solidFill>
+                <a:latin typeface="Tw Cen MT" pitchFamily="34" charset="0"/>
+              </a:rPr>
+              <a:t>DEMONSTRATION</a:t>
+            </a:r>
+            <a:endParaRPr lang="en-US" sz="3600" b="1" dirty="0">
+              <a:solidFill>
+                <a:schemeClr val="bg1"/>
+              </a:solidFill>
+              <a:latin typeface="Tw Cen MT" pitchFamily="34" charset="0"/>
+            </a:endParaRPr>
+          </a:p>
+        </p:txBody>
+      </p:sp>
+      <p:sp>
+        <p:nvSpPr>
+          <p:cNvPr id="3" name="Content Placeholder 2"/>
+          <p:cNvSpPr>
+            <a:spLocks noGrp="1"/>
+          </p:cNvSpPr>
+          <p:nvPr>
+            <p:ph idx="1"/>
+          </p:nvPr>
+        </p:nvSpPr>
+        <p:spPr>
+          <a:xfrm>
+            <a:off x="457200" y="3048000"/>
+            <a:ext cx="8229600" cy="3078163"/>
+          </a:xfrm>
+        </p:spPr>
+        <p:txBody>
+          <a:bodyPr/>
+          <a:lstStyle/>
+          <a:p>
+            <a:pPr>
+              <a:buNone/>
+            </a:pPr>
+            <a:r>
+              <a:rPr lang="en-US" dirty="0" smtClean="0">
+                <a:solidFill>
+                  <a:schemeClr val="bg1"/>
+                </a:solidFill>
+                <a:latin typeface="Tw Cen MT" pitchFamily="34" charset="0"/>
+                <a:hlinkClick r:id="rId2"/>
+              </a:rPr>
+              <a:t>https://fathomless-lake-76819.herokuapp.com/</a:t>
+            </a:r>
+            <a:endParaRPr lang="en-US" dirty="0">
+              <a:solidFill>
+                <a:schemeClr val="bg1"/>
+              </a:solidFill>
+              <a:latin typeface="Tw Cen MT" pitchFamily="34" charset="0"/>
+            </a:endParaRPr>
+          </a:p>
+        </p:txBody>
+      </p:sp>
+      <p:pic>
+        <p:nvPicPr>
+          <p:cNvPr id="5" name="Picture 4" descr="logo-v2.png"/>
+          <p:cNvPicPr>
+            <a:picLocks noChangeAspect="1"/>
+          </p:cNvPicPr>
+          <p:nvPr/>
+        </p:nvPicPr>
+        <p:blipFill>
+          <a:blip r:embed="rId3" cstate="print"/>
+          <a:stretch>
+            <a:fillRect/>
+          </a:stretch>
+        </p:blipFill>
+        <p:spPr>
+          <a:xfrm>
+            <a:off x="7543800" y="6019800"/>
+            <a:ext cx="1333500" cy="568071"/>
+          </a:xfrm>
+          <a:prstGeom prst="rect">
+            <a:avLst/>
+          </a:prstGeom>
+        </p:spPr>
+      </p:pic>
+    </p:spTree>
+  </p:cSld>
+  <p:clrMapOvr>
+    <a:masterClrMapping/>
+  </p:clrMapOvr>
+  <p:timing>
+    <p:tnLst>
+      <p:par>
+        <p:cTn id="1" dur="indefinite" restart="never" nodeType="tmRoot"/>
+      </p:par>
+    </p:tnLst>
+  </p:timing>
+</p:sld>
+</file>
+
+<file path=ppt/slides/slide9.xml><?xml version="1.0" encoding="utf-8"?>
+<p:sld xmlns:a="http://schemas.openxmlformats.org/drawingml/2006/main" xmlns:r="http://schemas.openxmlformats.org/officeDocument/2006/relationships" xmlns:p="http://schemas.openxmlformats.org/presentationml/2006/main">
+  <p:cSld>
+    <p:spTree>
+      <p:nvGrpSpPr>
+        <p:cNvPr id="1" name=""/>
+        <p:cNvGrpSpPr/>
+        <p:nvPr/>
+      </p:nvGrpSpPr>
+      <p:grpSpPr>
+        <a:xfrm>
+          <a:off x="0" y="0"/>
+          <a:ext cx="0" cy="0"/>
+          <a:chOff x="0" y="0"/>
+          <a:chExt cx="0" cy="0"/>
+        </a:xfrm>
+      </p:grpSpPr>
+      <p:sp>
+        <p:nvSpPr>
+          <p:cNvPr id="2" name="Title 1"/>
+          <p:cNvSpPr>
+            <a:spLocks noGrp="1"/>
+          </p:cNvSpPr>
+          <p:nvPr>
+            <p:ph type="title"/>
+          </p:nvPr>
+        </p:nvSpPr>
+        <p:spPr/>
+        <p:txBody>
+          <a:bodyPr>
+            <a:normAutofit/>
+          </a:bodyPr>
+          <a:lstStyle/>
+          <a:p>
+            <a:pPr algn="l"/>
+            <a:r>
+              <a:rPr lang="en-US" sz="3600" b="1" dirty="0" smtClean="0">
+                <a:solidFill>
+                  <a:schemeClr val="bg1"/>
+                </a:solidFill>
+                <a:latin typeface="Tw Cen MT" pitchFamily="34" charset="0"/>
+              </a:rPr>
+              <a:t>FUTURE DEVELOPMENT</a:t>
+            </a:r>
+            <a:endParaRPr lang="en-US" sz="3600" b="1" dirty="0">
+              <a:solidFill>
+                <a:schemeClr val="bg1"/>
+              </a:solidFill>
+              <a:latin typeface="Tw Cen MT" pitchFamily="34" charset="0"/>
+            </a:endParaRPr>
+          </a:p>
+        </p:txBody>
+      </p:sp>
+      <p:sp>
+        <p:nvSpPr>
+          <p:cNvPr id="3" name="Content Placeholder 2"/>
+          <p:cNvSpPr>
+            <a:spLocks noGrp="1"/>
+          </p:cNvSpPr>
+          <p:nvPr>
+            <p:ph idx="1"/>
+          </p:nvPr>
+        </p:nvSpPr>
+        <p:spPr>
+          <a:xfrm>
+            <a:off x="457200" y="1905000"/>
+            <a:ext cx="8229600" cy="4221163"/>
+          </a:xfrm>
+        </p:spPr>
+        <p:txBody>
+          <a:bodyPr/>
+          <a:lstStyle/>
+          <a:p>
+            <a:r>
+              <a:rPr lang="en-US" dirty="0" smtClean="0">
+                <a:solidFill>
+                  <a:schemeClr val="bg1"/>
+                </a:solidFill>
+                <a:latin typeface="Tw Cen MT" pitchFamily="34" charset="0"/>
+              </a:rPr>
+              <a:t>Webcam</a:t>
+            </a:r>
+          </a:p>
+          <a:p>
+            <a:r>
+              <a:rPr lang="en-US" dirty="0" smtClean="0">
+                <a:solidFill>
+                  <a:schemeClr val="bg1"/>
+                </a:solidFill>
+                <a:latin typeface="Tw Cen MT" pitchFamily="34" charset="0"/>
+              </a:rPr>
+              <a:t>Gaming Platforms, Twitch</a:t>
+            </a:r>
+          </a:p>
+          <a:p>
+            <a:r>
+              <a:rPr lang="en-US" dirty="0" smtClean="0">
+                <a:solidFill>
+                  <a:schemeClr val="bg1"/>
+                </a:solidFill>
+                <a:latin typeface="Tw Cen MT" pitchFamily="34" charset="0"/>
+              </a:rPr>
+              <a:t>Incorporate existing karaoke music software</a:t>
+            </a:r>
+            <a:endParaRPr lang="en-US" dirty="0">
+              <a:solidFill>
+                <a:schemeClr val="bg1"/>
+              </a:solidFill>
+              <a:latin typeface="Tw Cen MT" pitchFamily="34" charset="0"/>
+            </a:endParaRPr>
+          </a:p>
+        </p:txBody>
+      </p:sp>
+      <p:pic>
+        <p:nvPicPr>
+          <p:cNvPr id="5" name="Picture 4" descr="logo-v2.png"/>
+          <p:cNvPicPr>
+            <a:picLocks noChangeAspect="1"/>
+          </p:cNvPicPr>
+          <p:nvPr/>
+        </p:nvPicPr>
+        <p:blipFill>
+          <a:blip r:embed="rId2" cstate="print"/>
+          <a:stretch>
+            <a:fillRect/>
+          </a:stretch>
+        </p:blipFill>
+        <p:spPr>
+          <a:xfrm>
+            <a:off x="7543800" y="6019800"/>
+            <a:ext cx="1333500" cy="568071"/>
+          </a:xfrm>
+          <a:prstGeom prst="rect">
+            <a:avLst/>
+          </a:prstGeom>
+        </p:spPr>
+      </p:pic>
+    </p:spTree>
+  </p:cSld>
+  <p:clrMapOvr>
+    <a:masterClrMapping/>
+  </p:clrMapOvr>
+  <p:timing>
+    <p:tnLst>
+      <p:par>
+        <p:cTn id="1" dur="indefinite" restart="never" nodeType="tmRoot"/>
+      </p:par>
+    </p:tnLst>
+  </p:timing>
 </p:sld>
 </file>
 
@@ -3530,4 +6509,287 @@
   <a:objectDefaults/>
   <a:extraClrSchemeLst/>
 </a:theme>
+</file>
+
+<file path=ppt/theme/theme2.xml><?xml version="1.0" encoding="utf-8"?>
+<a:theme xmlns:a="http://schemas.openxmlformats.org/drawingml/2006/main" name="Office Theme">
+  <a:themeElements>
+    <a:clrScheme name="Office">
+      <a:dk1>
+        <a:sysClr val="windowText" lastClr="000000"/>
+      </a:dk1>
+      <a:lt1>
+        <a:sysClr val="window" lastClr="FFFFFF"/>
+      </a:lt1>
+      <a:dk2>
+        <a:srgbClr val="1F497D"/>
+      </a:dk2>
+      <a:lt2>
+        <a:srgbClr val="EEECE1"/>
+      </a:lt2>
+      <a:accent1>
+        <a:srgbClr val="4F81BD"/>
+      </a:accent1>
+      <a:accent2>
+        <a:srgbClr val="C0504D"/>
+      </a:accent2>
+      <a:accent3>
+        <a:srgbClr val="9BBB59"/>
+      </a:accent3>
+      <a:accent4>
+        <a:srgbClr val="8064A2"/>
+      </a:accent4>
+      <a:accent5>
+        <a:srgbClr val="4BACC6"/>
+      </a:accent5>
+      <a:accent6>
+        <a:srgbClr val="F79646"/>
+      </a:accent6>
+      <a:hlink>
+        <a:srgbClr val="0000FF"/>
+      </a:hlink>
+      <a:folHlink>
+        <a:srgbClr val="800080"/>
+      </a:folHlink>
+    </a:clrScheme>
+    <a:fontScheme name="Office">
+      <a:majorFont>
+        <a:latin typeface="Calibri"/>
+        <a:ea typeface=""/>
+        <a:cs typeface=""/>
+        <a:font script="Jpan" typeface="ＭＳ Ｐゴシック"/>
+        <a:font script="Hang" typeface="맑은 고딕"/>
+        <a:font script="Hans" typeface="宋体"/>
+        <a:font script="Hant" typeface="新細明體"/>
+        <a:font script="Arab" typeface="Times New Roman"/>
+        <a:font script="Hebr" typeface="Times New Roman"/>
+        <a:font script="Thai" typeface="Angsana New"/>
+        <a:font script="Ethi" typeface="Nyala"/>
+        <a:font script="Beng" typeface="Vrinda"/>
+        <a:font script="Gujr" typeface="Shruti"/>
+        <a:font script="Khmr" typeface="MoolBoran"/>
+        <a:font script="Knda" typeface="Tunga"/>
+        <a:font script="Guru" typeface="Raavi"/>
+        <a:font script="Cans" typeface="Euphemia"/>
+        <a:font script="Cher" typeface="Plantagenet Cherokee"/>
+        <a:font script="Yiii" typeface="Microsoft Yi Baiti"/>
+        <a:font script="Tibt" typeface="Microsoft Himalaya"/>
+        <a:font script="Thaa" typeface="MV Boli"/>
+        <a:font script="Deva" typeface="Mangal"/>
+        <a:font script="Telu" typeface="Gautami"/>
+        <a:font script="Taml" typeface="Latha"/>
+        <a:font script="Syrc" typeface="Estrangelo Edessa"/>
+        <a:font script="Orya" typeface="Kalinga"/>
+        <a:font script="Mlym" typeface="Kartika"/>
+        <a:font script="Laoo" typeface="DokChampa"/>
+        <a:font script="Sinh" typeface="Iskoola Pota"/>
+        <a:font script="Mong" typeface="Mongolian Baiti"/>
+        <a:font script="Viet" typeface="Times New Roman"/>
+        <a:font script="Uigh" typeface="Microsoft Uighur"/>
+      </a:majorFont>
+      <a:minorFont>
+        <a:latin typeface="Calibri"/>
+        <a:ea typeface=""/>
+        <a:cs typeface=""/>
+        <a:font script="Jpan" typeface="ＭＳ Ｐゴシック"/>
+        <a:font script="Hang" typeface="맑은 고딕"/>
+        <a:font script="Hans" typeface="宋体"/>
+        <a:font script="Hant" typeface="新細明體"/>
+        <a:font script="Arab" typeface="Arial"/>
+        <a:font script="Hebr" typeface="Arial"/>
+        <a:font script="Thai" typeface="Cordia New"/>
+        <a:font script="Ethi" typeface="Nyala"/>
+        <a:font script="Beng" typeface="Vrinda"/>
+        <a:font script="Gujr" typeface="Shruti"/>
+        <a:font script="Khmr" typeface="DaunPenh"/>
+        <a:font script="Knda" typeface="Tunga"/>
+        <a:font script="Guru" typeface="Raavi"/>
+        <a:font script="Cans" typeface="Euphemia"/>
+        <a:font script="Cher" typeface="Plantagenet Cherokee"/>
+        <a:font script="Yiii" typeface="Microsoft Yi Baiti"/>
+        <a:font script="Tibt" typeface="Microsoft Himalaya"/>
+        <a:font script="Thaa" typeface="MV Boli"/>
+        <a:font script="Deva" typeface="Mangal"/>
+        <a:font script="Telu" typeface="Gautami"/>
+        <a:font script="Taml" typeface="Latha"/>
+        <a:font script="Syrc" typeface="Estrangelo Edessa"/>
+        <a:font script="Orya" typeface="Kalinga"/>
+        <a:font script="Mlym" typeface="Kartika"/>
+        <a:font script="Laoo" typeface="DokChampa"/>
+        <a:font script="Sinh" typeface="Iskoola Pota"/>
+        <a:font script="Mong" typeface="Mongolian Baiti"/>
+        <a:font script="Viet" typeface="Arial"/>
+        <a:font script="Uigh" typeface="Microsoft Uighur"/>
+      </a:minorFont>
+    </a:fontScheme>
+    <a:fmtScheme name="Office">
+      <a:fillStyleLst>
+        <a:solidFill>
+          <a:schemeClr val="phClr"/>
+        </a:solidFill>
+        <a:gradFill rotWithShape="1">
+          <a:gsLst>
+            <a:gs pos="0">
+              <a:schemeClr val="phClr">
+                <a:tint val="50000"/>
+                <a:satMod val="300000"/>
+              </a:schemeClr>
+            </a:gs>
+            <a:gs pos="35000">
+              <a:schemeClr val="phClr">
+                <a:tint val="37000"/>
+                <a:satMod val="300000"/>
+              </a:schemeClr>
+            </a:gs>
+            <a:gs pos="100000">
+              <a:schemeClr val="phClr">
+                <a:tint val="15000"/>
+                <a:satMod val="350000"/>
+              </a:schemeClr>
+            </a:gs>
+          </a:gsLst>
+          <a:lin ang="16200000" scaled="1"/>
+        </a:gradFill>
+        <a:gradFill rotWithShape="1">
+          <a:gsLst>
+            <a:gs pos="0">
+              <a:schemeClr val="phClr">
+                <a:shade val="51000"/>
+                <a:satMod val="130000"/>
+              </a:schemeClr>
+            </a:gs>
+            <a:gs pos="80000">
+              <a:schemeClr val="phClr">
+                <a:shade val="93000"/>
+                <a:satMod val="130000"/>
+              </a:schemeClr>
+            </a:gs>
+            <a:gs pos="100000">
+              <a:schemeClr val="phClr">
+                <a:shade val="94000"/>
+                <a:satMod val="135000"/>
+              </a:schemeClr>
+            </a:gs>
+          </a:gsLst>
+          <a:lin ang="16200000" scaled="0"/>
+        </a:gradFill>
+      </a:fillStyleLst>
+      <a:lnStyleLst>
+        <a:ln w="9525" cap="flat" cmpd="sng" algn="ctr">
+          <a:solidFill>
+            <a:schemeClr val="phClr">
+              <a:shade val="95000"/>
+              <a:satMod val="105000"/>
+            </a:schemeClr>
+          </a:solidFill>
+          <a:prstDash val="solid"/>
+        </a:ln>
+        <a:ln w="25400" cap="flat" cmpd="sng" algn="ctr">
+          <a:solidFill>
+            <a:schemeClr val="phClr"/>
+          </a:solidFill>
+          <a:prstDash val="solid"/>
+        </a:ln>
+        <a:ln w="38100" cap="flat" cmpd="sng" algn="ctr">
+          <a:solidFill>
+            <a:schemeClr val="phClr"/>
+          </a:solidFill>
+          <a:prstDash val="solid"/>
+        </a:ln>
+      </a:lnStyleLst>
+      <a:effectStyleLst>
+        <a:effectStyle>
+          <a:effectLst>
+            <a:outerShdw blurRad="40000" dist="20000" dir="5400000" rotWithShape="0">
+              <a:srgbClr val="000000">
+                <a:alpha val="38000"/>
+              </a:srgbClr>
+            </a:outerShdw>
+          </a:effectLst>
+        </a:effectStyle>
+        <a:effectStyle>
+          <a:effectLst>
+            <a:outerShdw blurRad="40000" dist="23000" dir="5400000" rotWithShape="0">
+              <a:srgbClr val="000000">
+                <a:alpha val="35000"/>
+              </a:srgbClr>
+            </a:outerShdw>
+          </a:effectLst>
+        </a:effectStyle>
+        <a:effectStyle>
+          <a:effectLst>
+            <a:outerShdw blurRad="40000" dist="23000" dir="5400000" rotWithShape="0">
+              <a:srgbClr val="000000">
+                <a:alpha val="35000"/>
+              </a:srgbClr>
+            </a:outerShdw>
+          </a:effectLst>
+          <a:scene3d>
+            <a:camera prst="orthographicFront">
+              <a:rot lat="0" lon="0" rev="0"/>
+            </a:camera>
+            <a:lightRig rig="threePt" dir="t">
+              <a:rot lat="0" lon="0" rev="1200000"/>
+            </a:lightRig>
+          </a:scene3d>
+          <a:sp3d>
+            <a:bevelT w="63500" h="25400"/>
+          </a:sp3d>
+        </a:effectStyle>
+      </a:effectStyleLst>
+      <a:bgFillStyleLst>
+        <a:solidFill>
+          <a:schemeClr val="phClr"/>
+        </a:solidFill>
+        <a:gradFill rotWithShape="1">
+          <a:gsLst>
+            <a:gs pos="0">
+              <a:schemeClr val="phClr">
+                <a:tint val="40000"/>
+                <a:satMod val="350000"/>
+              </a:schemeClr>
+            </a:gs>
+            <a:gs pos="40000">
+              <a:schemeClr val="phClr">
+                <a:tint val="45000"/>
+                <a:shade val="99000"/>
+                <a:satMod val="350000"/>
+              </a:schemeClr>
+            </a:gs>
+            <a:gs pos="100000">
+              <a:schemeClr val="phClr">
+                <a:shade val="20000"/>
+                <a:satMod val="255000"/>
+              </a:schemeClr>
+            </a:gs>
+          </a:gsLst>
+          <a:path path="circle">
+            <a:fillToRect l="50000" t="-80000" r="50000" b="180000"/>
+          </a:path>
+        </a:gradFill>
+        <a:gradFill rotWithShape="1">
+          <a:gsLst>
+            <a:gs pos="0">
+              <a:schemeClr val="phClr">
+                <a:tint val="80000"/>
+                <a:satMod val="300000"/>
+              </a:schemeClr>
+            </a:gs>
+            <a:gs pos="100000">
+              <a:schemeClr val="phClr">
+                <a:shade val="30000"/>
+                <a:satMod val="200000"/>
+              </a:schemeClr>
+            </a:gs>
+          </a:gsLst>
+          <a:path path="circle">
+            <a:fillToRect l="50000" t="50000" r="50000" b="50000"/>
+          </a:path>
+        </a:gradFill>
+      </a:bgFillStyleLst>
+    </a:fmtScheme>
+  </a:themeElements>
+  <a:objectDefaults/>
+  <a:extraClrSchemeLst/>
+</a:theme>
 </file>
--- a/karaoke-roulette.pptx
+++ b/karaoke-roulette.pptx
@@ -201,6 +201,7 @@
           <a:p>
             <a:fld id="{98F919E3-A5E0-4150-BB27-DC73984B2ADB}" type="datetimeFigureOut">
               <a:rPr lang="en-US" smtClean="0"/>
+              <a:pPr/>
               <a:t>8/11/2016</a:t>
             </a:fld>
             <a:endParaRPr lang="en-US"/>
@@ -362,6 +363,7 @@
           <a:p>
             <a:fld id="{A307331F-B472-4C89-802B-4D49E9B2B8EB}" type="slidenum">
               <a:rPr lang="en-US" smtClean="0"/>
+              <a:pPr/>
               <a:t>‹#›</a:t>
             </a:fld>
             <a:endParaRPr lang="en-US"/>
@@ -535,13 +537,27 @@
             </a:r>
             <a:r>
               <a:rPr lang="en-US" baseline="0" dirty="0" smtClean="0"/>
-              <a:t> “Let’s get embarrassed.”</a:t>
+              <a:t> “Let’s get embarrassed</a:t>
+            </a:r>
+            <a:r>
+              <a:rPr lang="en-US" baseline="0" dirty="0" smtClean="0"/>
+              <a:t>.”</a:t>
             </a:r>
           </a:p>
           <a:p>
             <a:endParaRPr lang="en-US" baseline="0" dirty="0" smtClean="0"/>
           </a:p>
           <a:p>
+            <a:r>
+              <a:rPr lang="en-US" baseline="0" dirty="0" smtClean="0"/>
+              <a:t>Introduce team</a:t>
+            </a:r>
+            <a:endParaRPr lang="en-US" baseline="0" dirty="0" smtClean="0"/>
+          </a:p>
+          <a:p>
+            <a:endParaRPr lang="en-US" baseline="0" dirty="0" smtClean="0"/>
+          </a:p>
+          <a:p>
             <a:endParaRPr lang="en-US" dirty="0"/>
           </a:p>
         </p:txBody>
@@ -563,6 +579,7 @@
           <a:p>
             <a:fld id="{A307331F-B472-4C89-802B-4D49E9B2B8EB}" type="slidenum">
               <a:rPr lang="en-US" smtClean="0"/>
+              <a:pPr/>
               <a:t>1</a:t>
             </a:fld>
             <a:endParaRPr lang="en-US"/>
@@ -660,6 +677,7 @@
           <a:p>
             <a:fld id="{A307331F-B472-4C89-802B-4D49E9B2B8EB}" type="slidenum">
               <a:rPr lang="en-US" smtClean="0"/>
+              <a:pPr/>
               <a:t>2</a:t>
             </a:fld>
             <a:endParaRPr lang="en-US"/>
@@ -735,19 +753,14 @@
           <a:p>
             <a:r>
               <a:rPr lang="en-US" baseline="0" dirty="0" smtClean="0"/>
-              <a:t>I know what you’re thinking. Lauren, this karaoke is totally out of control. But let me remind you how boring it can be on karaoke nights when the same person is singing the same songs they usually sing, because they sing them moderately decent. Your karaoke night NEEDS Karaoke Roulette.</a:t>
-            </a:r>
-          </a:p>
-          <a:p>
+              <a:t>I know what you’re thinking. Lauren, this karaoke is totally out of control. But let me remind you how boring it can be on karaoke nights when the same person is singing the same songs they usually sing, because they sing them moderately decent. Your karaoke night NEEDS Karaoke Roulette</a:t>
+            </a:r>
+            <a:r>
+              <a:rPr lang="en-US" baseline="0" dirty="0" smtClean="0"/>
+              <a:t>.</a:t>
+            </a:r>
             <a:endParaRPr lang="en-US" baseline="0" dirty="0" smtClean="0"/>
           </a:p>
-          <a:p>
-            <a:r>
-              <a:rPr lang="en-US" baseline="0" dirty="0" smtClean="0"/>
-              <a:t>To add to the entertainment and overall soul crushing embarrassment of karaoke roulette we have incorporate a live social media feed. So, while you are attempting to spit out Biggie lyrics before going into 20 seconds of Greased Lightening – there is a live twitter feed that anyone at the bar is free to comment on your performance. People at the bar don’t have a twitter? No problem. Users can thumbs up, thumbs down and even poultry leg you if they please.</a:t>
-            </a:r>
-            <a:endParaRPr lang="en-US" dirty="0"/>
-          </a:p>
         </p:txBody>
       </p:sp>
       <p:sp>
@@ -767,6 +780,7 @@
           <a:p>
             <a:fld id="{A307331F-B472-4C89-802B-4D49E9B2B8EB}" type="slidenum">
               <a:rPr lang="en-US" smtClean="0"/>
+              <a:pPr/>
               <a:t>3</a:t>
             </a:fld>
             <a:endParaRPr lang="en-US"/>
@@ -829,8 +843,13 @@
           <a:p>
             <a:r>
               <a:rPr lang="en-US" baseline="0" dirty="0" smtClean="0"/>
-              <a:t>To add to the entertainment and overall soul crushing embarrassment of karaoke roulette we have incorporate a live social media feed. So, while you are attempting to spit out Biggie lyrics before going into 20 seconds of Greased Lightening – there is a live twitter feed that anyone at the bar is free to comment on your performance. People at the bar don’t have a twitter? No problem. Users can thumbs up, thumbs down and even poultry leg you if they please.</a:t>
-            </a:r>
+              <a:t>To add to the entertainment and overall soul crushing embarrassment of karaoke roulette we have incorporate a live social media feed. So, while you are attempting to spit out Biggie lyrics before going into 20 seconds of Greased Lightening – there is a live twitter feed that anyone at the bar is free to comment on your performance. People at the bar don’t have a twitter? No problem. Users can thumbs up, thumbs down and even poultry leg you if they </a:t>
+            </a:r>
+            <a:r>
+              <a:rPr lang="en-US" baseline="0" dirty="0" smtClean="0"/>
+              <a:t>please via a web app.</a:t>
+            </a:r>
+            <a:endParaRPr lang="en-US" baseline="0" dirty="0" smtClean="0"/>
           </a:p>
           <a:p>
             <a:endParaRPr lang="en-US" baseline="0" dirty="0" smtClean="0"/>
@@ -894,6 +913,7 @@
           <a:p>
             <a:fld id="{A307331F-B472-4C89-802B-4D49E9B2B8EB}" type="slidenum">
               <a:rPr lang="en-US" smtClean="0"/>
+              <a:pPr/>
               <a:t>4</a:t>
             </a:fld>
             <a:endParaRPr lang="en-US"/>
@@ -1082,7 +1102,34 @@
                 </a:solidFill>
                 <a:latin typeface="Tw Cen MT" pitchFamily="34" charset="0"/>
               </a:rPr>
-              <a:t> Slack API to create a live messaging feature paired with the ran</a:t>
+              <a:t> Slack API to create a live messaging feature paired with </a:t>
+            </a:r>
+            <a:r>
+              <a:rPr lang="en-US" sz="2800" baseline="0" dirty="0" smtClean="0">
+                <a:solidFill>
+                  <a:schemeClr val="bg1"/>
+                </a:solidFill>
+                <a:latin typeface="Tw Cen MT" pitchFamily="34" charset="0"/>
+              </a:rPr>
+              <a:t>the </a:t>
+            </a:r>
+            <a:r>
+              <a:rPr lang="en-US" sz="2800" baseline="0" dirty="0" err="1" smtClean="0">
+                <a:solidFill>
+                  <a:schemeClr val="bg1"/>
+                </a:solidFill>
+                <a:latin typeface="Tw Cen MT" pitchFamily="34" charset="0"/>
+              </a:rPr>
+              <a:t>youtube</a:t>
+            </a:r>
+            <a:r>
+              <a:rPr lang="en-US" sz="2800" baseline="0" dirty="0" smtClean="0">
+                <a:solidFill>
+                  <a:schemeClr val="bg1"/>
+                </a:solidFill>
+                <a:latin typeface="Tw Cen MT" pitchFamily="34" charset="0"/>
+              </a:rPr>
+              <a:t> function. We have to abandon this API and ultimately landed on using this Twitter API widget to serve as a live feed as Slack is not capable of the live feed we wanted.</a:t>
             </a:r>
             <a:endParaRPr lang="en-US" sz="2800" dirty="0" smtClean="0">
               <a:solidFill>
@@ -1119,6 +1166,7 @@
           <a:p>
             <a:fld id="{A307331F-B472-4C89-802B-4D49E9B2B8EB}" type="slidenum">
               <a:rPr lang="en-US" smtClean="0"/>
+              <a:pPr/>
               <a:t>5</a:t>
             </a:fld>
             <a:endParaRPr lang="en-US"/>
@@ -1181,14 +1229,28 @@
           <a:p>
             <a:r>
               <a:rPr lang="en-US" dirty="0" smtClean="0"/>
-              <a:t>YouTube API</a:t>
-            </a:r>
-          </a:p>
-          <a:p>
+              <a:t>YouTube </a:t>
+            </a:r>
             <a:r>
               <a:rPr lang="en-US" dirty="0" smtClean="0"/>
-              <a:t>Twitter API</a:t>
-            </a:r>
+              <a:t>API AJAX</a:t>
+            </a:r>
+            <a:endParaRPr lang="en-US" dirty="0" smtClean="0"/>
+          </a:p>
+          <a:p>
+            <a:r>
+              <a:rPr lang="en-US" dirty="0" smtClean="0"/>
+              <a:t>Twitter </a:t>
+            </a:r>
+            <a:r>
+              <a:rPr lang="en-US" dirty="0" smtClean="0"/>
+              <a:t>Widget</a:t>
+            </a:r>
+            <a:r>
+              <a:rPr lang="en-US" baseline="0" dirty="0" smtClean="0"/>
+              <a:t> API</a:t>
+            </a:r>
+            <a:endParaRPr lang="en-US" dirty="0" smtClean="0"/>
           </a:p>
           <a:p>
             <a:endParaRPr lang="en-US" dirty="0" smtClean="0"/>
@@ -1223,11 +1285,24 @@
           <a:p>
             <a:r>
               <a:rPr lang="en-US" baseline="0" dirty="0" smtClean="0"/>
-              <a:t>User Validation Input with a email subscription form at </a:t>
-            </a:r>
-            <a:r>
-              <a:rPr lang="en-US" baseline="0" smtClean="0"/>
-              <a:t>the bottom</a:t>
+              <a:t>User Validation Input with a email subscription form at the </a:t>
+            </a:r>
+            <a:r>
+              <a:rPr lang="en-US" baseline="0" dirty="0" smtClean="0"/>
+              <a:t>bottom</a:t>
+            </a:r>
+          </a:p>
+          <a:p>
+            <a:endParaRPr lang="en-US" baseline="0" dirty="0" smtClean="0"/>
+          </a:p>
+          <a:p>
+            <a:r>
+              <a:rPr lang="en-US" baseline="0" dirty="0" smtClean="0"/>
+              <a:t>Deployed to </a:t>
+            </a:r>
+            <a:r>
+              <a:rPr lang="en-US" baseline="0" dirty="0" err="1" smtClean="0"/>
+              <a:t>Heroku</a:t>
             </a:r>
             <a:endParaRPr lang="en-US" dirty="0"/>
           </a:p>
@@ -1250,7 +1325,109 @@
           <a:p>
             <a:fld id="{A307331F-B472-4C89-802B-4D49E9B2B8EB}" type="slidenum">
               <a:rPr lang="en-US" smtClean="0"/>
+              <a:pPr/>
               <a:t>6</a:t>
+            </a:fld>
+            <a:endParaRPr lang="en-US"/>
+          </a:p>
+        </p:txBody>
+      </p:sp>
+    </p:spTree>
+  </p:cSld>
+  <p:clrMapOvr>
+    <a:masterClrMapping/>
+  </p:clrMapOvr>
+</p:notes>
+</file>
+
+<file path=ppt/notesSlides/notesSlide7.xml><?xml version="1.0" encoding="utf-8"?>
+<p:notes xmlns:a="http://schemas.openxmlformats.org/drawingml/2006/main" xmlns:r="http://schemas.openxmlformats.org/officeDocument/2006/relationships" xmlns:p="http://schemas.openxmlformats.org/presentationml/2006/main">
+  <p:cSld>
+    <p:spTree>
+      <p:nvGrpSpPr>
+        <p:cNvPr id="1" name=""/>
+        <p:cNvGrpSpPr/>
+        <p:nvPr/>
+      </p:nvGrpSpPr>
+      <p:grpSpPr>
+        <a:xfrm>
+          <a:off x="0" y="0"/>
+          <a:ext cx="0" cy="0"/>
+          <a:chOff x="0" y="0"/>
+          <a:chExt cx="0" cy="0"/>
+        </a:xfrm>
+      </p:grpSpPr>
+      <p:sp>
+        <p:nvSpPr>
+          <p:cNvPr id="2" name="Slide Image Placeholder 1"/>
+          <p:cNvSpPr>
+            <a:spLocks noGrp="1" noRot="1" noChangeAspect="1"/>
+          </p:cNvSpPr>
+          <p:nvPr>
+            <p:ph type="sldImg"/>
+          </p:nvPr>
+        </p:nvSpPr>
+        <p:spPr/>
+      </p:sp>
+      <p:sp>
+        <p:nvSpPr>
+          <p:cNvPr id="3" name="Notes Placeholder 2"/>
+          <p:cNvSpPr>
+            <a:spLocks noGrp="1"/>
+          </p:cNvSpPr>
+          <p:nvPr>
+            <p:ph type="body" idx="1"/>
+          </p:nvPr>
+        </p:nvSpPr>
+        <p:spPr/>
+        <p:txBody>
+          <a:bodyPr>
+            <a:normAutofit/>
+          </a:bodyPr>
+          <a:lstStyle/>
+          <a:p>
+            <a:r>
+              <a:rPr lang="en-US" dirty="0" smtClean="0"/>
+              <a:t>Design Approach</a:t>
+            </a:r>
+          </a:p>
+          <a:p>
+            <a:r>
+              <a:rPr lang="en-US" dirty="0" smtClean="0"/>
+              <a:t>What came together, at what point</a:t>
+            </a:r>
+          </a:p>
+          <a:p>
+            <a:endParaRPr lang="en-US" dirty="0" smtClean="0"/>
+          </a:p>
+          <a:p>
+            <a:r>
+              <a:rPr lang="en-US" dirty="0" smtClean="0"/>
+              <a:t>The idea of roulette – Vegas Nightlife feel.</a:t>
+            </a:r>
+            <a:endParaRPr lang="en-US" dirty="0"/>
+          </a:p>
+        </p:txBody>
+      </p:sp>
+      <p:sp>
+        <p:nvSpPr>
+          <p:cNvPr id="4" name="Slide Number Placeholder 3"/>
+          <p:cNvSpPr>
+            <a:spLocks noGrp="1"/>
+          </p:cNvSpPr>
+          <p:nvPr>
+            <p:ph type="sldNum" sz="quarter" idx="10"/>
+          </p:nvPr>
+        </p:nvSpPr>
+        <p:spPr/>
+        <p:txBody>
+          <a:bodyPr/>
+          <a:lstStyle/>
+          <a:p>
+            <a:fld id="{A307331F-B472-4C89-802B-4D49E9B2B8EB}" type="slidenum">
+              <a:rPr lang="en-US" smtClean="0"/>
+              <a:pPr/>
+              <a:t>7</a:t>
             </a:fld>
             <a:endParaRPr lang="en-US"/>
           </a:p>
@@ -4269,25 +4446,7 @@
                 </a:solidFill>
                 <a:latin typeface="Tw Cen MT" pitchFamily="34" charset="0"/>
               </a:rPr>
-              <a:t>Team </a:t>
-            </a:r>
-            <a:r>
-              <a:rPr lang="en-US" sz="2000" dirty="0" smtClean="0">
-                <a:solidFill>
-                  <a:schemeClr val="bg1"/>
-                </a:solidFill>
-                <a:latin typeface="Tw Cen MT" pitchFamily="34" charset="0"/>
-              </a:rPr>
-              <a:t>WHIPW-SIPW </a:t>
-            </a:r>
-            <a:r>
-              <a:rPr lang="en-US" sz="2000" dirty="0" smtClean="0">
-                <a:solidFill>
-                  <a:schemeClr val="bg1"/>
-                </a:solidFill>
-                <a:latin typeface="Tw Cen MT" pitchFamily="34" charset="0"/>
-              </a:rPr>
-              <a:t>// </a:t>
+              <a:t>Team WHIPW-SIPW // </a:t>
             </a:r>
             <a:r>
               <a:rPr lang="en-US" sz="2000" dirty="0">
@@ -4609,12 +4768,6 @@
               </a:rPr>
               <a:t>Entertaining</a:t>
             </a:r>
-            <a:endParaRPr lang="en-US" sz="3200" dirty="0" smtClean="0">
-              <a:solidFill>
-                <a:schemeClr val="bg1"/>
-              </a:solidFill>
-              <a:latin typeface="Tw Cen MT" pitchFamily="34" charset="0"/>
-            </a:endParaRPr>
           </a:p>
           <a:p>
             <a:pPr lvl="2"/>
@@ -4627,12 +4780,6 @@
               </a:rPr>
               <a:t>Social</a:t>
             </a:r>
-            <a:endParaRPr lang="en-US" sz="3200" dirty="0" smtClean="0">
-              <a:solidFill>
-                <a:schemeClr val="bg1"/>
-              </a:solidFill>
-              <a:latin typeface="Tw Cen MT" pitchFamily="34" charset="0"/>
-            </a:endParaRPr>
           </a:p>
           <a:p>
             <a:r>
@@ -4642,16 +4789,7 @@
                 </a:solidFill>
                 <a:latin typeface="Tw Cen MT" pitchFamily="34" charset="0"/>
               </a:rPr>
-              <a:t>A </a:t>
-            </a:r>
-            <a:r>
-              <a:rPr lang="en-US" sz="3600" dirty="0" smtClean="0">
-                <a:solidFill>
-                  <a:schemeClr val="bg1"/>
-                </a:solidFill>
-                <a:latin typeface="Tw Cen MT" pitchFamily="34" charset="0"/>
-              </a:rPr>
-              <a:t>“</a:t>
+              <a:t>A “</a:t>
             </a:r>
             <a:r>
               <a:rPr lang="en-US" sz="3600" dirty="0" err="1" smtClean="0">
@@ -4669,16 +4807,7 @@
                 </a:solidFill>
                 <a:latin typeface="Tw Cen MT" pitchFamily="34" charset="0"/>
               </a:rPr>
-              <a:t>” </a:t>
-            </a:r>
-            <a:r>
-              <a:rPr lang="en-US" sz="3600" dirty="0" smtClean="0">
-                <a:solidFill>
-                  <a:schemeClr val="bg1"/>
-                </a:solidFill>
-                <a:latin typeface="Tw Cen MT" pitchFamily="34" charset="0"/>
-              </a:rPr>
-              <a:t>app</a:t>
+              <a:t>” app</a:t>
             </a:r>
           </a:p>
           <a:p>
@@ -5682,8 +5811,23 @@
                 </a:solidFill>
                 <a:latin typeface="Tw Cen MT" pitchFamily="34" charset="0"/>
               </a:rPr>
-              <a:t>Twitter API</a:t>
-            </a:r>
+              <a:t>Twitter </a:t>
+            </a:r>
+            <a:r>
+              <a:rPr lang="en-US" dirty="0" smtClean="0">
+                <a:solidFill>
+                  <a:schemeClr val="bg1"/>
+                </a:solidFill>
+                <a:latin typeface="Tw Cen MT" pitchFamily="34" charset="0"/>
+              </a:rPr>
+              <a:t>API Widget</a:t>
+            </a:r>
+            <a:endParaRPr lang="en-US" dirty="0" smtClean="0">
+              <a:solidFill>
+                <a:schemeClr val="bg1"/>
+              </a:solidFill>
+              <a:latin typeface="Tw Cen MT" pitchFamily="34" charset="0"/>
+            </a:endParaRPr>
           </a:p>
           <a:p>
             <a:r>
@@ -5704,28 +5848,36 @@
                 </a:solidFill>
                 <a:latin typeface="Tw Cen MT" pitchFamily="34" charset="0"/>
               </a:rPr>
-              <a:t>Firebase (</a:t>
-            </a:r>
-            <a:r>
-              <a:rPr lang="en-US" dirty="0" err="1" smtClean="0">
+              <a:t>Firebase</a:t>
+            </a:r>
+          </a:p>
+          <a:p>
+            <a:r>
+              <a:rPr lang="en-US" dirty="0" smtClean="0">
                 <a:solidFill>
                   <a:schemeClr val="bg1"/>
                 </a:solidFill>
                 <a:latin typeface="Tw Cen MT" pitchFamily="34" charset="0"/>
               </a:rPr>
-              <a:t>emoji</a:t>
-            </a:r>
-            <a:r>
-              <a:rPr lang="en-US" dirty="0" smtClean="0">
+              <a:t>User Validation Input</a:t>
+            </a:r>
+            <a:endParaRPr lang="en-US" dirty="0" smtClean="0">
+              <a:solidFill>
+                <a:schemeClr val="bg1"/>
+              </a:solidFill>
+              <a:latin typeface="Tw Cen MT" pitchFamily="34" charset="0"/>
+            </a:endParaRPr>
+          </a:p>
+          <a:p>
+            <a:r>
+              <a:rPr lang="en-US" dirty="0" err="1" smtClean="0">
                 <a:solidFill>
                   <a:schemeClr val="bg1"/>
                 </a:solidFill>
                 <a:latin typeface="Tw Cen MT" pitchFamily="34" charset="0"/>
               </a:rPr>
-              <a:t> voting)</a:t>
-            </a:r>
-          </a:p>
-          <a:p>
+              <a:t>Heroku</a:t>
+            </a:r>
             <a:endParaRPr lang="en-US" dirty="0">
               <a:solidFill>
                 <a:schemeClr val="bg1"/>
@@ -5854,7 +6006,27 @@
                 </a:solidFill>
                 <a:latin typeface="Tw Cen MT" pitchFamily="34" charset="0"/>
               </a:rPr>
-              <a:t>Roulette – Vegas Feel</a:t>
+              <a:t>How we approached it</a:t>
+            </a:r>
+          </a:p>
+          <a:p>
+            <a:r>
+              <a:rPr lang="en-US" dirty="0" smtClean="0">
+                <a:solidFill>
+                  <a:schemeClr val="bg1"/>
+                </a:solidFill>
+                <a:latin typeface="Tw Cen MT" pitchFamily="34" charset="0"/>
+              </a:rPr>
+              <a:t>Roulette </a:t>
+            </a:r>
+            <a:r>
+              <a:rPr lang="en-US" dirty="0" smtClean="0">
+                <a:solidFill>
+                  <a:schemeClr val="bg1"/>
+                </a:solidFill>
+                <a:latin typeface="Tw Cen MT" pitchFamily="34" charset="0"/>
+              </a:rPr>
+              <a:t>– Vegas Feel</a:t>
             </a:r>
           </a:p>
           <a:p>
@@ -5892,6 +6064,12 @@
               </a:rPr>
               <a:t>Modern</a:t>
             </a:r>
+            <a:endParaRPr lang="en-US" sz="3200" dirty="0" smtClean="0">
+              <a:solidFill>
+                <a:schemeClr val="bg1"/>
+              </a:solidFill>
+              <a:latin typeface="Tw Cen MT" pitchFamily="34" charset="0"/>
+            </a:endParaRPr>
           </a:p>
           <a:p>
             <a:endParaRPr lang="en-US" dirty="0">
@@ -5912,7 +6090,7 @@
           <p:nvPr/>
         </p:nvPicPr>
         <p:blipFill>
-          <a:blip r:embed="rId2" cstate="print"/>
+          <a:blip r:embed="rId3" cstate="print"/>
           <a:stretch>
             <a:fillRect/>
           </a:stretch>
